--- a/宣道詩/(宣道詩173) 教會趕緊傳道.pptx
+++ b/宣道詩/(宣道詩173) 教會趕緊傳道.pptx
@@ -5,24 +5,31 @@
     <p:sldMasterId id="2147483660" r:id="rId1"/>
   </p:sldMasterIdLst>
   <p:notesMasterIdLst>
-    <p:notesMasterId r:id="rId14"/>
+    <p:notesMasterId r:id="rId21"/>
   </p:notesMasterIdLst>
   <p:handoutMasterIdLst>
-    <p:handoutMasterId r:id="rId15"/>
+    <p:handoutMasterId r:id="rId22"/>
   </p:handoutMasterIdLst>
   <p:sldIdLst>
-    <p:sldId id="1607" r:id="rId2"/>
-    <p:sldId id="1608" r:id="rId3"/>
-    <p:sldId id="1609" r:id="rId4"/>
-    <p:sldId id="1610" r:id="rId5"/>
-    <p:sldId id="1611" r:id="rId6"/>
-    <p:sldId id="1612" r:id="rId7"/>
-    <p:sldId id="1613" r:id="rId8"/>
-    <p:sldId id="1614" r:id="rId9"/>
-    <p:sldId id="1615" r:id="rId10"/>
-    <p:sldId id="1616" r:id="rId11"/>
-    <p:sldId id="1617" r:id="rId12"/>
-    <p:sldId id="1618" r:id="rId13"/>
+    <p:sldId id="256" r:id="rId2"/>
+    <p:sldId id="257" r:id="rId3"/>
+    <p:sldId id="258" r:id="rId4"/>
+    <p:sldId id="259" r:id="rId5"/>
+    <p:sldId id="260" r:id="rId6"/>
+    <p:sldId id="261" r:id="rId7"/>
+    <p:sldId id="262" r:id="rId8"/>
+    <p:sldId id="263" r:id="rId9"/>
+    <p:sldId id="264" r:id="rId10"/>
+    <p:sldId id="265" r:id="rId11"/>
+    <p:sldId id="266" r:id="rId12"/>
+    <p:sldId id="267" r:id="rId13"/>
+    <p:sldId id="268" r:id="rId14"/>
+    <p:sldId id="269" r:id="rId15"/>
+    <p:sldId id="270" r:id="rId16"/>
+    <p:sldId id="271" r:id="rId17"/>
+    <p:sldId id="272" r:id="rId18"/>
+    <p:sldId id="273" r:id="rId19"/>
+    <p:sldId id="274" r:id="rId20"/>
   </p:sldIdLst>
   <p:sldSz cx="12192000" cy="6858000"/>
   <p:notesSz cx="6858000" cy="9144000"/>
@@ -3728,166 +3735,126 @@
       </p:grpSpPr>
       <p:sp>
         <p:nvSpPr>
-          <p:cNvPr id="4" name="Title 3"/>
+          <p:cNvPr id="4" name="標題 3"/>
           <p:cNvSpPr>
             <a:spLocks noGrp="1"/>
           </p:cNvSpPr>
           <p:nvPr>
             <p:ph type="title"/>
           </p:nvPr>
-        </p:nvSpPr>
-        <p:spPr/>
-        <p:txBody>
-          <a:bodyPr>
-            <a:normAutofit/>
-          </a:bodyPr>
-          <a:lstStyle/>
-          <a:p>
-            <a:r>
-              <a:rPr lang="en-US" altLang="zh-TW" sz="4800" b="1" dirty="0">
-                <a:solidFill>
-                  <a:srgbClr val="660033"/>
-                </a:solidFill>
-                <a:latin typeface="Microsoft JhengHei" panose="020B0604030504040204" pitchFamily="34" charset="-120"/>
-                <a:ea typeface="Microsoft JhengHei" panose="020B0604030504040204" pitchFamily="34" charset="-120"/>
-              </a:rPr>
-              <a:t>【</a:t>
-            </a:r>
-            <a:r>
-              <a:rPr lang="zh-TW" altLang="en-US" sz="4800" b="1" dirty="0">
-                <a:solidFill>
-                  <a:srgbClr val="660033"/>
-                </a:solidFill>
-                <a:latin typeface="Microsoft JhengHei" panose="020B0604030504040204" pitchFamily="34" charset="-120"/>
-                <a:ea typeface="Microsoft JhengHei" panose="020B0604030504040204" pitchFamily="34" charset="-120"/>
-              </a:rPr>
-              <a:t>教會趕緊傳道</a:t>
-            </a:r>
-            <a:r>
-              <a:rPr lang="en-US" altLang="zh-TW" sz="4800" b="1" dirty="0">
-                <a:solidFill>
-                  <a:srgbClr val="660033"/>
-                </a:solidFill>
-                <a:latin typeface="Microsoft JhengHei" panose="020B0604030504040204" pitchFamily="34" charset="-120"/>
-                <a:ea typeface="Microsoft JhengHei" panose="020B0604030504040204" pitchFamily="34" charset="-120"/>
-              </a:rPr>
-              <a:t>】</a:t>
-            </a:r>
-          </a:p>
-        </p:txBody>
-      </p:sp>
-      <p:sp>
-        <p:nvSpPr>
-          <p:cNvPr id="5" name="Content Placeholder 4"/>
-          <p:cNvSpPr>
-            <a:spLocks noGrp="1"/>
-          </p:cNvSpPr>
-          <p:nvPr>
-            <p:ph idx="1"/>
-          </p:nvPr>
-        </p:nvSpPr>
-        <p:spPr/>
-        <p:txBody>
-          <a:bodyPr>
-            <a:normAutofit/>
-          </a:bodyPr>
-          <a:lstStyle/>
-          <a:p>
-            <a:pPr marL="0" indent="0" algn="ctr">
-              <a:buNone/>
-            </a:pPr>
-            <a:r>
-              <a:rPr lang="zh-TW" altLang="en-US" sz="5400" b="1" dirty="0">
-                <a:solidFill>
-                  <a:srgbClr val="660033"/>
-                </a:solidFill>
-                <a:latin typeface="Microsoft JhengHei" panose="020B0604030504040204" pitchFamily="34" charset="-120"/>
-                <a:ea typeface="Microsoft JhengHei" panose="020B0604030504040204" pitchFamily="34" charset="-120"/>
-              </a:rPr>
-              <a:t>教會趕緊遵命拯救普天下</a:t>
-            </a:r>
-          </a:p>
-          <a:p>
-            <a:pPr marL="0" indent="0" algn="ctr">
-              <a:buNone/>
-            </a:pPr>
-            <a:r>
-              <a:rPr lang="zh-TW" altLang="en-US" sz="5400" b="1" dirty="0">
-                <a:solidFill>
-                  <a:srgbClr val="660033"/>
-                </a:solidFill>
-                <a:latin typeface="Microsoft JhengHei" panose="020B0604030504040204" pitchFamily="34" charset="-120"/>
-                <a:ea typeface="Microsoft JhengHei" panose="020B0604030504040204" pitchFamily="34" charset="-120"/>
-              </a:rPr>
-              <a:t>當早通知世人真神是光</a:t>
-            </a:r>
-          </a:p>
-          <a:p>
-            <a:pPr marL="0" indent="0" algn="ctr">
-              <a:buNone/>
-            </a:pPr>
-            <a:r>
-              <a:rPr lang="zh-TW" altLang="en-US" sz="5400" b="1" dirty="0">
-                <a:solidFill>
-                  <a:srgbClr val="660033"/>
-                </a:solidFill>
-                <a:latin typeface="Microsoft JhengHei" panose="020B0604030504040204" pitchFamily="34" charset="-120"/>
-                <a:ea typeface="Microsoft JhengHei" panose="020B0604030504040204" pitchFamily="34" charset="-120"/>
-              </a:rPr>
-              <a:t>使他深知造人主宰不願意</a:t>
-            </a:r>
-          </a:p>
-          <a:p>
-            <a:pPr marL="0" indent="0" algn="ctr">
-              <a:buNone/>
-            </a:pPr>
-            <a:r>
-              <a:rPr lang="zh-TW" altLang="en-US" sz="5400" b="1" dirty="0">
-                <a:solidFill>
-                  <a:srgbClr val="660033"/>
-                </a:solidFill>
-                <a:latin typeface="Microsoft JhengHei" panose="020B0604030504040204" pitchFamily="34" charset="-120"/>
-                <a:ea typeface="Microsoft JhengHei" panose="020B0604030504040204" pitchFamily="34" charset="-120"/>
-              </a:rPr>
-              <a:t>一個靈魂終歸黑暗地方</a:t>
-            </a:r>
-          </a:p>
-        </p:txBody>
-      </p:sp>
-      <p:sp>
-        <p:nvSpPr>
-          <p:cNvPr id="6" name="Text Box 1"/>
-          <p:cNvSpPr txBox="1"/>
-          <p:nvPr/>
         </p:nvSpPr>
         <p:spPr>
           <a:xfrm>
-            <a:off x="592892" y="1700808"/>
-            <a:ext cx="1193960" cy="923330"/>
+            <a:off x="0" y="2857513"/>
+            <a:ext cx="12192000" cy="1143000"/>
           </a:xfrm>
-          <a:prstGeom prst="rect">
-            <a:avLst/>
-          </a:prstGeom>
-          <a:noFill/>
-          <a:ln w="9525">
-            <a:noFill/>
-            <a:miter lim="800000"/>
-          </a:ln>
         </p:spPr>
         <p:txBody>
-          <a:bodyPr wrap="square">
-            <a:spAutoFit/>
+          <a:bodyPr>
+            <a:noAutofit/>
           </a:bodyPr>
           <a:lstStyle/>
           <a:p>
-            <a:pPr algn="ctr"/>
-            <a:r>
-              <a:rPr lang="en-US" sz="5400" b="1" dirty="0">
+            <a:r>
+              <a:rPr lang="zh-CN" altLang="en-US" sz="5333" b="1" u="sng" dirty="0">
+                <a:solidFill>
+                  <a:srgbClr val="000066"/>
+                </a:solidFill>
+                <a:effectLst>
+                  <a:outerShdw blurRad="38100" dist="38100" dir="2700000" algn="tl">
+                    <a:srgbClr val="000000">
+                      <a:alpha val="43137"/>
+                    </a:srgbClr>
+                  </a:outerShdw>
+                </a:effectLst>
+                <a:latin typeface="微軟正黑體" pitchFamily="34" charset="-120"/>
+                <a:ea typeface="微軟正黑體" pitchFamily="34" charset="-120"/>
+              </a:rPr>
+              <a:t>宣道詩 </a:t>
+            </a:r>
+            <a:r>
+              <a:rPr lang="en-US" altLang="zh-CN" sz="5333" b="1" u="sng" dirty="0">
+                <a:solidFill>
+                  <a:srgbClr val="000066"/>
+                </a:solidFill>
+                <a:effectLst>
+                  <a:outerShdw blurRad="38100" dist="38100" dir="2700000" algn="tl">
+                    <a:srgbClr val="000000">
+                      <a:alpha val="43137"/>
+                    </a:srgbClr>
+                  </a:outerShdw>
+                </a:effectLst>
+                <a:latin typeface="微軟正黑體" pitchFamily="34" charset="-120"/>
+                <a:ea typeface="微軟正黑體" pitchFamily="34" charset="-120"/>
+              </a:rPr>
+              <a:t>173</a:t>
+            </a:r>
+            <a:r>
+              <a:rPr lang="en-US" altLang="zh-CN" sz="7200" b="1" i="1" dirty="0">
                 <a:solidFill>
                   <a:srgbClr val="660033"/>
                 </a:solidFill>
+                <a:effectLst>
+                  <a:outerShdw blurRad="38100" dist="38100" dir="2700000" algn="tl">
+                    <a:srgbClr val="000000">
+                      <a:alpha val="43137"/>
+                    </a:srgbClr>
+                  </a:outerShdw>
+                </a:effectLst>
+                <a:latin typeface="微軟正黑體" pitchFamily="34" charset="-120"/>
+                <a:ea typeface="微軟正黑體" pitchFamily="34" charset="-120"/>
               </a:rPr>
-              <a:t>1.</a:t>
+              <a:t/>
+            </a:r>
+            <a:br>
+              <a:rPr lang="en-US" altLang="zh-CN" sz="7200" b="1" i="1" dirty="0">
+                <a:solidFill>
+                  <a:srgbClr val="660033"/>
+                </a:solidFill>
+                <a:effectLst>
+                  <a:outerShdw blurRad="38100" dist="38100" dir="2700000" algn="tl">
+                    <a:srgbClr val="000000">
+                      <a:alpha val="43137"/>
+                    </a:srgbClr>
+                  </a:outerShdw>
+                </a:effectLst>
+                <a:latin typeface="微軟正黑體" pitchFamily="34" charset="-120"/>
+                <a:ea typeface="微軟正黑體" pitchFamily="34" charset="-120"/>
+              </a:rPr>
+            </a:br>
+            <a:r>
+              <a:rPr lang="zh-TW" altLang="en-US" sz="8000" b="1" dirty="0">
+                <a:solidFill>
+                  <a:srgbClr val="660033"/>
+                </a:solidFill>
+                <a:effectLst>
+                  <a:outerShdw blurRad="38100" dist="38100" dir="2700000" algn="tl">
+                    <a:srgbClr val="000000">
+                      <a:alpha val="43137"/>
+                    </a:srgbClr>
+                  </a:outerShdw>
+                </a:effectLst>
+                <a:latin typeface="微軟正黑體" pitchFamily="34" charset="-120"/>
+                <a:ea typeface="微軟正黑體" pitchFamily="34" charset="-120"/>
+              </a:rPr>
+              <a:t>教</a:t>
+            </a:r>
+            <a:r>
+              <a:rPr lang="zh-TW" altLang="en-US" sz="8000" b="1" dirty="0">
+                <a:solidFill>
+                  <a:srgbClr val="660033"/>
+                </a:solidFill>
+                <a:effectLst>
+                  <a:outerShdw blurRad="38100" dist="38100" dir="2700000" algn="tl">
+                    <a:srgbClr val="000000">
+                      <a:alpha val="43137"/>
+                    </a:srgbClr>
+                  </a:outerShdw>
+                </a:effectLst>
+                <a:latin typeface="微軟正黑體" pitchFamily="34" charset="-120"/>
+                <a:ea typeface="微軟正黑體" pitchFamily="34" charset="-120"/>
+              </a:rPr>
+              <a:t>會趕緊傳道</a:t>
             </a:r>
           </a:p>
         </p:txBody>
@@ -3895,13 +3862,20 @@
     </p:spTree>
     <p:extLst>
       <p:ext uri="{BB962C8B-B14F-4D97-AF65-F5344CB8AC3E}">
-        <p14:creationId xmlns:p14="http://schemas.microsoft.com/office/powerpoint/2010/main" val="3379095999"/>
+        <p14:creationId xmlns:p14="http://schemas.microsoft.com/office/powerpoint/2010/main" val="918754528"/>
       </p:ext>
     </p:extLst>
   </p:cSld>
   <p:clrMapOvr>
     <a:masterClrMapping/>
   </p:clrMapOvr>
+  <p:timing>
+    <p:tnLst>
+      <p:par>
+        <p:cTn id="1" dur="indefinite" restart="never" nodeType="tmRoot"/>
+      </p:par>
+    </p:tnLst>
+  </p:timing>
 </p:sld>
 </file>
 
@@ -3924,76 +3898,31 @@
       </p:grpSpPr>
       <p:sp>
         <p:nvSpPr>
-          <p:cNvPr id="4" name="Title 3"/>
-          <p:cNvSpPr>
-            <a:spLocks noGrp="1"/>
-          </p:cNvSpPr>
-          <p:nvPr>
-            <p:ph type="title"/>
-          </p:nvPr>
-        </p:nvSpPr>
-        <p:spPr/>
-        <p:txBody>
-          <a:bodyPr>
+          <p:cNvPr id="5" name="內容版面配置區 4"/>
+          <p:cNvSpPr>
+            <a:spLocks noGrp="1"/>
+          </p:cNvSpPr>
+          <p:nvPr>
+            <p:ph idx="1"/>
+          </p:nvPr>
+        </p:nvSpPr>
+        <p:spPr>
+          <a:xfrm>
+            <a:off x="0" y="2084851"/>
+            <a:ext cx="12192000" cy="2404863"/>
+          </a:xfrm>
+        </p:spPr>
+        <p:txBody>
+          <a:bodyPr anchor="ctr">
             <a:normAutofit/>
           </a:bodyPr>
           <a:lstStyle/>
           <a:p>
-            <a:r>
-              <a:rPr lang="en-US" altLang="zh-TW" sz="4800" b="1" dirty="0">
-                <a:solidFill>
-                  <a:srgbClr val="660033"/>
-                </a:solidFill>
-                <a:latin typeface="Microsoft JhengHei" panose="020B0604030504040204" pitchFamily="34" charset="-120"/>
-                <a:ea typeface="Microsoft JhengHei" panose="020B0604030504040204" pitchFamily="34" charset="-120"/>
-              </a:rPr>
-              <a:t>【</a:t>
-            </a:r>
-            <a:r>
-              <a:rPr lang="zh-TW" altLang="en-US" sz="4800" b="1" dirty="0">
-                <a:solidFill>
-                  <a:srgbClr val="660033"/>
-                </a:solidFill>
-                <a:latin typeface="Microsoft JhengHei" panose="020B0604030504040204" pitchFamily="34" charset="-120"/>
-                <a:ea typeface="Microsoft JhengHei" panose="020B0604030504040204" pitchFamily="34" charset="-120"/>
-              </a:rPr>
-              <a:t>教會趕緊傳道</a:t>
-            </a:r>
-            <a:r>
-              <a:rPr lang="en-US" altLang="zh-TW" sz="4800" b="1" dirty="0">
-                <a:solidFill>
-                  <a:srgbClr val="660033"/>
-                </a:solidFill>
-                <a:latin typeface="Microsoft JhengHei" panose="020B0604030504040204" pitchFamily="34" charset="-120"/>
-                <a:ea typeface="Microsoft JhengHei" panose="020B0604030504040204" pitchFamily="34" charset="-120"/>
-              </a:rPr>
-              <a:t>】</a:t>
-            </a:r>
-          </a:p>
-        </p:txBody>
-      </p:sp>
-      <p:sp>
-        <p:nvSpPr>
-          <p:cNvPr id="5" name="Content Placeholder 4"/>
-          <p:cNvSpPr>
-            <a:spLocks noGrp="1"/>
-          </p:cNvSpPr>
-          <p:nvPr>
-            <p:ph idx="1"/>
-          </p:nvPr>
-        </p:nvSpPr>
-        <p:spPr/>
-        <p:txBody>
-          <a:bodyPr>
-            <a:normAutofit/>
-          </a:bodyPr>
-          <a:lstStyle/>
-          <a:p>
             <a:pPr marL="0" indent="0" algn="ctr">
               <a:buNone/>
             </a:pPr>
             <a:r>
-              <a:rPr lang="zh-TW" altLang="en-US" sz="5400" b="1" dirty="0">
+              <a:rPr lang="zh-TW" altLang="en-US" sz="6400" b="1" dirty="0">
                 <a:solidFill>
                   <a:srgbClr val="660033"/>
                 </a:solidFill>
@@ -4008,43 +3937,42 @@
               <a:buNone/>
             </a:pPr>
             <a:r>
-              <a:rPr lang="zh-TW" altLang="en-US" sz="5400" b="1" dirty="0">
+              <a:rPr lang="zh-TW" altLang="en-US" sz="6400" b="1" dirty="0">
                 <a:solidFill>
                   <a:srgbClr val="660033"/>
                 </a:solidFill>
                 <a:latin typeface="Microsoft JhengHei" panose="020B0604030504040204" pitchFamily="34" charset="-120"/>
                 <a:ea typeface="Microsoft JhengHei" panose="020B0604030504040204" pitchFamily="34" charset="-120"/>
               </a:rPr>
-              <a:t>傳揚主耶穌</a:t>
-            </a:r>
-          </a:p>
-          <a:p>
-            <a:pPr marL="0" indent="0" algn="ctr">
-              <a:buNone/>
-            </a:pPr>
-            <a:r>
-              <a:rPr lang="zh-TW" altLang="en-US" sz="5400" b="1" dirty="0">
-                <a:solidFill>
-                  <a:srgbClr val="660033"/>
-                </a:solidFill>
-                <a:latin typeface="Microsoft JhengHei" panose="020B0604030504040204" pitchFamily="34" charset="-120"/>
-                <a:ea typeface="Microsoft JhengHei" panose="020B0604030504040204" pitchFamily="34" charset="-120"/>
-              </a:rPr>
-              <a:t>已經救贖罪人</a:t>
-            </a:r>
+              <a:t>傳揚主耶穌  已經救贖罪人</a:t>
+            </a:r>
+            <a:endParaRPr lang="zh-TW" altLang="en-US" sz="6400" b="1" dirty="0">
+              <a:solidFill>
+                <a:srgbClr val="660033"/>
+              </a:solidFill>
+              <a:latin typeface="Microsoft JhengHei" panose="020B0604030504040204" pitchFamily="34" charset="-120"/>
+              <a:ea typeface="Microsoft JhengHei" panose="020B0604030504040204" pitchFamily="34" charset="-120"/>
+            </a:endParaRPr>
           </a:p>
         </p:txBody>
       </p:sp>
     </p:spTree>
     <p:extLst>
       <p:ext uri="{BB962C8B-B14F-4D97-AF65-F5344CB8AC3E}">
-        <p14:creationId xmlns:p14="http://schemas.microsoft.com/office/powerpoint/2010/main" val="3680687288"/>
+        <p14:creationId xmlns:p14="http://schemas.microsoft.com/office/powerpoint/2010/main" val="2731269006"/>
       </p:ext>
     </p:extLst>
   </p:cSld>
   <p:clrMapOvr>
     <a:masterClrMapping/>
   </p:clrMapOvr>
+  <p:timing>
+    <p:tnLst>
+      <p:par>
+        <p:cTn id="1" dur="indefinite" restart="never" nodeType="tmRoot"/>
+      </p:par>
+    </p:tnLst>
+  </p:timing>
 </p:sld>
 </file>
 
@@ -4067,176 +3995,95 @@
       </p:grpSpPr>
       <p:sp>
         <p:nvSpPr>
-          <p:cNvPr id="4" name="Title 3"/>
-          <p:cNvSpPr>
-            <a:spLocks noGrp="1"/>
-          </p:cNvSpPr>
-          <p:nvPr>
-            <p:ph type="title"/>
-          </p:nvPr>
-        </p:nvSpPr>
-        <p:spPr/>
-        <p:txBody>
-          <a:bodyPr>
+          <p:cNvPr id="5" name="內容版面配置區 4"/>
+          <p:cNvSpPr>
+            <a:spLocks noGrp="1"/>
+          </p:cNvSpPr>
+          <p:nvPr>
+            <p:ph idx="1"/>
+          </p:nvPr>
+        </p:nvSpPr>
+        <p:spPr>
+          <a:xfrm>
+            <a:off x="0" y="2084851"/>
+            <a:ext cx="12192000" cy="2404863"/>
+          </a:xfrm>
+        </p:spPr>
+        <p:txBody>
+          <a:bodyPr anchor="ctr">
             <a:normAutofit/>
           </a:bodyPr>
           <a:lstStyle/>
           <a:p>
-            <a:r>
-              <a:rPr lang="en-US" altLang="zh-TW" sz="4800" b="1" dirty="0">
+            <a:pPr marL="0" indent="0" algn="ctr">
+              <a:buNone/>
+            </a:pPr>
+            <a:r>
+              <a:rPr lang="zh-TW" altLang="en-US" sz="6400" b="1" dirty="0">
                 <a:solidFill>
                   <a:srgbClr val="660033"/>
                 </a:solidFill>
                 <a:latin typeface="Microsoft JhengHei" panose="020B0604030504040204" pitchFamily="34" charset="-120"/>
                 <a:ea typeface="Microsoft JhengHei" panose="020B0604030504040204" pitchFamily="34" charset="-120"/>
               </a:rPr>
-              <a:t>【</a:t>
-            </a:r>
-            <a:r>
-              <a:rPr lang="zh-TW" altLang="en-US" sz="4800" b="1" dirty="0">
+              <a:t>福音應該傳揚各國各地方</a:t>
+            </a:r>
+          </a:p>
+          <a:p>
+            <a:pPr marL="0" indent="0" algn="ctr">
+              <a:buNone/>
+            </a:pPr>
+            <a:r>
+              <a:rPr lang="zh-TW" altLang="en-US" sz="6400" b="1" dirty="0">
                 <a:solidFill>
                   <a:srgbClr val="660033"/>
                 </a:solidFill>
                 <a:latin typeface="Microsoft JhengHei" panose="020B0604030504040204" pitchFamily="34" charset="-120"/>
                 <a:ea typeface="Microsoft JhengHei" panose="020B0604030504040204" pitchFamily="34" charset="-120"/>
               </a:rPr>
-              <a:t>教會趕緊傳道</a:t>
-            </a:r>
-            <a:r>
-              <a:rPr lang="en-US" altLang="zh-TW" sz="4800" b="1" dirty="0">
-                <a:solidFill>
-                  <a:srgbClr val="660033"/>
-                </a:solidFill>
-                <a:latin typeface="Microsoft JhengHei" panose="020B0604030504040204" pitchFamily="34" charset="-120"/>
-                <a:ea typeface="Microsoft JhengHei" panose="020B0604030504040204" pitchFamily="34" charset="-120"/>
-              </a:rPr>
-              <a:t>】</a:t>
-            </a:r>
-          </a:p>
-        </p:txBody>
-      </p:sp>
-      <p:sp>
-        <p:nvSpPr>
-          <p:cNvPr id="5" name="Content Placeholder 4"/>
-          <p:cNvSpPr>
-            <a:spLocks noGrp="1"/>
-          </p:cNvSpPr>
-          <p:nvPr>
-            <p:ph idx="1"/>
-          </p:nvPr>
-        </p:nvSpPr>
-        <p:spPr/>
-        <p:txBody>
-          <a:bodyPr>
-            <a:normAutofit/>
-          </a:bodyPr>
-          <a:lstStyle/>
-          <a:p>
-            <a:pPr marL="0" indent="0" algn="ctr">
-              <a:buNone/>
-            </a:pPr>
-            <a:r>
-              <a:rPr lang="zh-TW" altLang="en-US" sz="5400" b="1" dirty="0">
-                <a:solidFill>
-                  <a:srgbClr val="660033"/>
-                </a:solidFill>
-                <a:latin typeface="Microsoft JhengHei" panose="020B0604030504040204" pitchFamily="34" charset="-120"/>
-                <a:ea typeface="Microsoft JhengHei" panose="020B0604030504040204" pitchFamily="34" charset="-120"/>
-              </a:rPr>
-              <a:t>應當紀念救主一定快再臨</a:t>
-            </a:r>
-          </a:p>
-          <a:p>
-            <a:pPr marL="0" indent="0" algn="ctr">
-              <a:buNone/>
-            </a:pPr>
-            <a:r>
-              <a:rPr lang="zh-TW" altLang="en-US" sz="5400" b="1" dirty="0">
-                <a:solidFill>
-                  <a:srgbClr val="660033"/>
-                </a:solidFill>
-                <a:latin typeface="Microsoft JhengHei" panose="020B0604030504040204" pitchFamily="34" charset="-120"/>
-                <a:ea typeface="Microsoft JhengHei" panose="020B0604030504040204" pitchFamily="34" charset="-120"/>
-              </a:rPr>
-              <a:t>所以當盡本份傳揚聖名</a:t>
-            </a:r>
-          </a:p>
-          <a:p>
-            <a:pPr marL="0" indent="0" algn="ctr">
-              <a:buNone/>
-            </a:pPr>
-            <a:r>
-              <a:rPr lang="zh-TW" altLang="en-US" sz="5400" b="1" dirty="0">
-                <a:solidFill>
-                  <a:srgbClr val="660033"/>
-                </a:solidFill>
-                <a:latin typeface="Microsoft JhengHei" panose="020B0604030504040204" pitchFamily="34" charset="-120"/>
-                <a:ea typeface="Microsoft JhengHei" panose="020B0604030504040204" pitchFamily="34" charset="-120"/>
-              </a:rPr>
-              <a:t>可憐多人因你我不發熱心</a:t>
-            </a:r>
-          </a:p>
-          <a:p>
-            <a:pPr marL="0" indent="0" algn="ctr">
-              <a:buNone/>
-            </a:pPr>
-            <a:r>
-              <a:rPr lang="zh-TW" altLang="en-US" sz="5400" b="1" dirty="0">
-                <a:solidFill>
-                  <a:srgbClr val="660033"/>
-                </a:solidFill>
-                <a:latin typeface="Microsoft JhengHei" panose="020B0604030504040204" pitchFamily="34" charset="-120"/>
-                <a:ea typeface="Microsoft JhengHei" panose="020B0604030504040204" pitchFamily="34" charset="-120"/>
-              </a:rPr>
-              <a:t>難見主面亦難居住天城</a:t>
-            </a:r>
-          </a:p>
-        </p:txBody>
-      </p:sp>
-      <p:sp>
-        <p:nvSpPr>
-          <p:cNvPr id="6" name="Text Box 1"/>
+              <a:t>使人都曉真神仁愛無邊</a:t>
+            </a:r>
+            <a:endParaRPr lang="zh-TW" altLang="en-US" sz="6400" b="1" dirty="0">
+              <a:solidFill>
+                <a:srgbClr val="660033"/>
+              </a:solidFill>
+              <a:latin typeface="Microsoft JhengHei" panose="020B0604030504040204" pitchFamily="34" charset="-120"/>
+              <a:ea typeface="Microsoft JhengHei" panose="020B0604030504040204" pitchFamily="34" charset="-120"/>
+            </a:endParaRPr>
+          </a:p>
+        </p:txBody>
+      </p:sp>
+      <p:sp>
+        <p:nvSpPr>
+          <p:cNvPr id="3" name="TextBox 2"/>
           <p:cNvSpPr txBox="1"/>
           <p:nvPr/>
         </p:nvSpPr>
         <p:spPr>
           <a:xfrm>
-            <a:off x="592892" y="1700808"/>
-            <a:ext cx="1193960" cy="923330"/>
+            <a:off x="335360" y="2212307"/>
+            <a:ext cx="1248139" cy="1077218"/>
           </a:xfrm>
           <a:prstGeom prst="rect">
             <a:avLst/>
           </a:prstGeom>
           <a:noFill/>
-          <a:ln w="9525">
-            <a:noFill/>
-            <a:miter lim="800000"/>
-          </a:ln>
         </p:spPr>
         <p:txBody>
-          <a:bodyPr wrap="square">
+          <a:bodyPr wrap="square" rtlCol="0">
             <a:spAutoFit/>
           </a:bodyPr>
           <a:lstStyle/>
           <a:p>
-            <a:pPr algn="ctr"/>
-            <a:r>
-              <a:rPr lang="en-US" sz="5400" b="1" dirty="0">
+            <a:r>
+              <a:rPr lang="en-US" sz="6400" b="1" dirty="0">
                 <a:solidFill>
                   <a:srgbClr val="660033"/>
                 </a:solidFill>
               </a:rPr>
-              <a:t>6</a:t>
-            </a:r>
-            <a:r>
-              <a:rPr lang="en-US" sz="5400" b="1" dirty="0" smtClean="0">
-                <a:solidFill>
-                  <a:srgbClr val="660033"/>
-                </a:solidFill>
-              </a:rPr>
-              <a:t>.</a:t>
-            </a:r>
-            <a:endParaRPr lang="en-US" sz="5400" b="1" dirty="0">
+              <a:t>4.</a:t>
+            </a:r>
+            <a:endParaRPr lang="vi-VN" sz="6400" b="1" dirty="0">
               <a:solidFill>
                 <a:srgbClr val="660033"/>
               </a:solidFill>
@@ -4247,13 +4094,20 @@
     </p:spTree>
     <p:extLst>
       <p:ext uri="{BB962C8B-B14F-4D97-AF65-F5344CB8AC3E}">
-        <p14:creationId xmlns:p14="http://schemas.microsoft.com/office/powerpoint/2010/main" val="2486707101"/>
+        <p14:creationId xmlns:p14="http://schemas.microsoft.com/office/powerpoint/2010/main" val="3040519258"/>
       </p:ext>
     </p:extLst>
   </p:cSld>
   <p:clrMapOvr>
     <a:masterClrMapping/>
   </p:clrMapOvr>
+  <p:timing>
+    <p:tnLst>
+      <p:par>
+        <p:cTn id="1" dur="indefinite" restart="never" nodeType="tmRoot"/>
+      </p:par>
+    </p:tnLst>
+  </p:timing>
 </p:sld>
 </file>
 
@@ -4276,127 +4130,970 @@
       </p:grpSpPr>
       <p:sp>
         <p:nvSpPr>
-          <p:cNvPr id="4" name="Title 3"/>
-          <p:cNvSpPr>
-            <a:spLocks noGrp="1"/>
-          </p:cNvSpPr>
-          <p:nvPr>
-            <p:ph type="title"/>
-          </p:nvPr>
-        </p:nvSpPr>
-        <p:spPr/>
-        <p:txBody>
-          <a:bodyPr>
+          <p:cNvPr id="5" name="內容版面配置區 4"/>
+          <p:cNvSpPr>
+            <a:spLocks noGrp="1"/>
+          </p:cNvSpPr>
+          <p:nvPr>
+            <p:ph idx="1"/>
+          </p:nvPr>
+        </p:nvSpPr>
+        <p:spPr>
+          <a:xfrm>
+            <a:off x="0" y="2084851"/>
+            <a:ext cx="12192000" cy="2404863"/>
+          </a:xfrm>
+        </p:spPr>
+        <p:txBody>
+          <a:bodyPr anchor="ctr">
             <a:normAutofit/>
           </a:bodyPr>
           <a:lstStyle/>
           <a:p>
-            <a:r>
-              <a:rPr lang="en-US" altLang="zh-TW" sz="4800" b="1" dirty="0">
+            <a:pPr marL="0" indent="0" algn="ctr">
+              <a:buNone/>
+            </a:pPr>
+            <a:r>
+              <a:rPr lang="zh-TW" altLang="en-US" sz="6400" b="1" dirty="0">
                 <a:solidFill>
                   <a:srgbClr val="660033"/>
                 </a:solidFill>
                 <a:latin typeface="Microsoft JhengHei" panose="020B0604030504040204" pitchFamily="34" charset="-120"/>
                 <a:ea typeface="Microsoft JhengHei" panose="020B0604030504040204" pitchFamily="34" charset="-120"/>
               </a:rPr>
-              <a:t>【</a:t>
-            </a:r>
-            <a:r>
-              <a:rPr lang="zh-TW" altLang="en-US" sz="4800" b="1" dirty="0">
+              <a:t>救主降</a:t>
+            </a:r>
+            <a:r>
+              <a:rPr lang="zh-CN" altLang="en-US" sz="6400" b="1" dirty="0">
                 <a:solidFill>
                   <a:srgbClr val="660033"/>
                 </a:solidFill>
                 <a:latin typeface="Microsoft JhengHei" panose="020B0604030504040204" pitchFamily="34" charset="-120"/>
                 <a:ea typeface="Microsoft JhengHei" panose="020B0604030504040204" pitchFamily="34" charset="-120"/>
               </a:rPr>
-              <a:t>教會趕緊傳道</a:t>
-            </a:r>
-            <a:r>
-              <a:rPr lang="en-US" altLang="zh-TW" sz="4800" b="1" dirty="0">
+              <a:t>世</a:t>
+            </a:r>
+            <a:r>
+              <a:rPr lang="zh-TW" altLang="en-US" sz="6400" b="1" dirty="0">
                 <a:solidFill>
                   <a:srgbClr val="660033"/>
                 </a:solidFill>
                 <a:latin typeface="Microsoft JhengHei" panose="020B0604030504040204" pitchFamily="34" charset="-120"/>
                 <a:ea typeface="Microsoft JhengHei" panose="020B0604030504040204" pitchFamily="34" charset="-120"/>
               </a:rPr>
-              <a:t>】</a:t>
-            </a:r>
-          </a:p>
-        </p:txBody>
-      </p:sp>
-      <p:sp>
-        <p:nvSpPr>
-          <p:cNvPr id="5" name="Content Placeholder 4"/>
-          <p:cNvSpPr>
-            <a:spLocks noGrp="1"/>
-          </p:cNvSpPr>
-          <p:nvPr>
-            <p:ph idx="1"/>
-          </p:nvPr>
-        </p:nvSpPr>
-        <p:spPr/>
-        <p:txBody>
-          <a:bodyPr>
-            <a:normAutofit/>
-          </a:bodyPr>
-          <a:lstStyle/>
+              <a:t>釘於十架流寶血</a:t>
+            </a:r>
+          </a:p>
           <a:p>
             <a:pPr marL="0" indent="0" algn="ctr">
               <a:buNone/>
             </a:pPr>
             <a:r>
-              <a:rPr lang="zh-TW" altLang="en-US" sz="5400" b="1" dirty="0">
+              <a:rPr lang="zh-TW" altLang="en-US" sz="6400" b="1" dirty="0">
                 <a:solidFill>
                   <a:srgbClr val="660033"/>
                 </a:solidFill>
                 <a:latin typeface="Microsoft JhengHei" panose="020B0604030504040204" pitchFamily="34" charset="-120"/>
                 <a:ea typeface="Microsoft JhengHei" panose="020B0604030504040204" pitchFamily="34" charset="-120"/>
               </a:rPr>
-              <a:t>傳揚好信息和平福音</a:t>
-            </a:r>
-          </a:p>
-          <a:p>
-            <a:pPr marL="0" indent="0" algn="ctr">
-              <a:buNone/>
-            </a:pPr>
-            <a:r>
-              <a:rPr lang="zh-TW" altLang="en-US" sz="5400" b="1" dirty="0">
+              <a:t>受死在世叫人永生在天</a:t>
+            </a:r>
+            <a:endParaRPr lang="zh-TW" altLang="en-US" sz="6400" b="1" dirty="0">
+              <a:solidFill>
+                <a:srgbClr val="660033"/>
+              </a:solidFill>
+              <a:latin typeface="Microsoft JhengHei" panose="020B0604030504040204" pitchFamily="34" charset="-120"/>
+              <a:ea typeface="Microsoft JhengHei" panose="020B0604030504040204" pitchFamily="34" charset="-120"/>
+            </a:endParaRPr>
+          </a:p>
+        </p:txBody>
+      </p:sp>
+      <p:sp>
+        <p:nvSpPr>
+          <p:cNvPr id="3" name="TextBox 2"/>
+          <p:cNvSpPr txBox="1"/>
+          <p:nvPr/>
+        </p:nvSpPr>
+        <p:spPr>
+          <a:xfrm>
+            <a:off x="335360" y="2212307"/>
+            <a:ext cx="1248139" cy="1077218"/>
+          </a:xfrm>
+          <a:prstGeom prst="rect">
+            <a:avLst/>
+          </a:prstGeom>
+          <a:noFill/>
+        </p:spPr>
+        <p:txBody>
+          <a:bodyPr wrap="square" rtlCol="0">
+            <a:spAutoFit/>
+          </a:bodyPr>
+          <a:lstStyle/>
+          <a:p>
+            <a:r>
+              <a:rPr lang="en-US" sz="6400" b="1" dirty="0">
                 <a:solidFill>
                   <a:srgbClr val="660033"/>
                 </a:solidFill>
-                <a:latin typeface="Microsoft JhengHei" panose="020B0604030504040204" pitchFamily="34" charset="-120"/>
-                <a:ea typeface="Microsoft JhengHei" panose="020B0604030504040204" pitchFamily="34" charset="-120"/>
               </a:rPr>
-              <a:t>傳揚主耶穌</a:t>
-            </a:r>
-          </a:p>
-          <a:p>
-            <a:pPr marL="0" indent="0" algn="ctr">
-              <a:buNone/>
-            </a:pPr>
-            <a:r>
-              <a:rPr lang="zh-TW" altLang="en-US" sz="5400" b="1" dirty="0">
-                <a:solidFill>
-                  <a:srgbClr val="660033"/>
-                </a:solidFill>
-                <a:latin typeface="Microsoft JhengHei" panose="020B0604030504040204" pitchFamily="34" charset="-120"/>
-                <a:ea typeface="Microsoft JhengHei" panose="020B0604030504040204" pitchFamily="34" charset="-120"/>
-              </a:rPr>
-              <a:t>已經救贖罪人</a:t>
-            </a:r>
+              <a:t>4.</a:t>
+            </a:r>
+            <a:endParaRPr lang="vi-VN" sz="6400" b="1" dirty="0">
+              <a:solidFill>
+                <a:srgbClr val="660033"/>
+              </a:solidFill>
+            </a:endParaRPr>
           </a:p>
         </p:txBody>
       </p:sp>
     </p:spTree>
     <p:extLst>
       <p:ext uri="{BB962C8B-B14F-4D97-AF65-F5344CB8AC3E}">
-        <p14:creationId xmlns:p14="http://schemas.microsoft.com/office/powerpoint/2010/main" val="4209868262"/>
+        <p14:creationId xmlns:p14="http://schemas.microsoft.com/office/powerpoint/2010/main" val="2927538212"/>
       </p:ext>
     </p:extLst>
   </p:cSld>
   <p:clrMapOvr>
     <a:masterClrMapping/>
   </p:clrMapOvr>
+  <p:timing>
+    <p:tnLst>
+      <p:par>
+        <p:cTn id="1" dur="indefinite" restart="never" nodeType="tmRoot"/>
+      </p:par>
+    </p:tnLst>
+  </p:timing>
+</p:sld>
+</file>
+
+<file path=ppt/slides/slide13.xml><?xml version="1.0" encoding="utf-8"?>
+<p:sld xmlns:a="http://schemas.openxmlformats.org/drawingml/2006/main" xmlns:r="http://schemas.openxmlformats.org/officeDocument/2006/relationships" xmlns:p="http://schemas.openxmlformats.org/presentationml/2006/main">
+  <p:cSld>
+    <p:spTree>
+      <p:nvGrpSpPr>
+        <p:cNvPr id="1" name=""/>
+        <p:cNvGrpSpPr/>
+        <p:nvPr/>
+      </p:nvGrpSpPr>
+      <p:grpSpPr>
+        <a:xfrm>
+          <a:off x="0" y="0"/>
+          <a:ext cx="0" cy="0"/>
+          <a:chOff x="0" y="0"/>
+          <a:chExt cx="0" cy="0"/>
+        </a:xfrm>
+      </p:grpSpPr>
+      <p:sp>
+        <p:nvSpPr>
+          <p:cNvPr id="5" name="內容版面配置區 4"/>
+          <p:cNvSpPr>
+            <a:spLocks noGrp="1"/>
+          </p:cNvSpPr>
+          <p:nvPr>
+            <p:ph idx="1"/>
+          </p:nvPr>
+        </p:nvSpPr>
+        <p:spPr>
+          <a:xfrm>
+            <a:off x="0" y="2084851"/>
+            <a:ext cx="12192000" cy="2404863"/>
+          </a:xfrm>
+        </p:spPr>
+        <p:txBody>
+          <a:bodyPr anchor="ctr">
+            <a:normAutofit/>
+          </a:bodyPr>
+          <a:lstStyle/>
+          <a:p>
+            <a:pPr marL="0" indent="0" algn="ctr">
+              <a:buNone/>
+            </a:pPr>
+            <a:r>
+              <a:rPr lang="zh-TW" altLang="en-US" sz="6400" b="1" dirty="0">
+                <a:solidFill>
+                  <a:srgbClr val="660033"/>
+                </a:solidFill>
+                <a:latin typeface="Microsoft JhengHei" panose="020B0604030504040204" pitchFamily="34" charset="-120"/>
+                <a:ea typeface="Microsoft JhengHei" panose="020B0604030504040204" pitchFamily="34" charset="-120"/>
+              </a:rPr>
+              <a:t>傳揚好信息和平福音</a:t>
+            </a:r>
+          </a:p>
+          <a:p>
+            <a:pPr marL="0" indent="0" algn="ctr">
+              <a:buNone/>
+            </a:pPr>
+            <a:r>
+              <a:rPr lang="zh-TW" altLang="en-US" sz="6400" b="1" dirty="0">
+                <a:solidFill>
+                  <a:srgbClr val="660033"/>
+                </a:solidFill>
+                <a:latin typeface="Microsoft JhengHei" panose="020B0604030504040204" pitchFamily="34" charset="-120"/>
+                <a:ea typeface="Microsoft JhengHei" panose="020B0604030504040204" pitchFamily="34" charset="-120"/>
+              </a:rPr>
+              <a:t>傳揚主耶穌  已經救贖罪人</a:t>
+            </a:r>
+            <a:endParaRPr lang="zh-TW" altLang="en-US" sz="6400" b="1" dirty="0">
+              <a:solidFill>
+                <a:srgbClr val="660033"/>
+              </a:solidFill>
+              <a:latin typeface="Microsoft JhengHei" panose="020B0604030504040204" pitchFamily="34" charset="-120"/>
+              <a:ea typeface="Microsoft JhengHei" panose="020B0604030504040204" pitchFamily="34" charset="-120"/>
+            </a:endParaRPr>
+          </a:p>
+        </p:txBody>
+      </p:sp>
+    </p:spTree>
+    <p:extLst>
+      <p:ext uri="{BB962C8B-B14F-4D97-AF65-F5344CB8AC3E}">
+        <p14:creationId xmlns:p14="http://schemas.microsoft.com/office/powerpoint/2010/main" val="2483419942"/>
+      </p:ext>
+    </p:extLst>
+  </p:cSld>
+  <p:clrMapOvr>
+    <a:masterClrMapping/>
+  </p:clrMapOvr>
+  <p:timing>
+    <p:tnLst>
+      <p:par>
+        <p:cTn id="1" dur="indefinite" restart="never" nodeType="tmRoot"/>
+      </p:par>
+    </p:tnLst>
+  </p:timing>
+</p:sld>
+</file>
+
+<file path=ppt/slides/slide14.xml><?xml version="1.0" encoding="utf-8"?>
+<p:sld xmlns:a="http://schemas.openxmlformats.org/drawingml/2006/main" xmlns:r="http://schemas.openxmlformats.org/officeDocument/2006/relationships" xmlns:p="http://schemas.openxmlformats.org/presentationml/2006/main">
+  <p:cSld>
+    <p:spTree>
+      <p:nvGrpSpPr>
+        <p:cNvPr id="1" name=""/>
+        <p:cNvGrpSpPr/>
+        <p:nvPr/>
+      </p:nvGrpSpPr>
+      <p:grpSpPr>
+        <a:xfrm>
+          <a:off x="0" y="0"/>
+          <a:ext cx="0" cy="0"/>
+          <a:chOff x="0" y="0"/>
+          <a:chExt cx="0" cy="0"/>
+        </a:xfrm>
+      </p:grpSpPr>
+      <p:sp>
+        <p:nvSpPr>
+          <p:cNvPr id="5" name="內容版面配置區 4"/>
+          <p:cNvSpPr>
+            <a:spLocks noGrp="1"/>
+          </p:cNvSpPr>
+          <p:nvPr>
+            <p:ph idx="1"/>
+          </p:nvPr>
+        </p:nvSpPr>
+        <p:spPr>
+          <a:xfrm>
+            <a:off x="0" y="2084851"/>
+            <a:ext cx="12192000" cy="2404863"/>
+          </a:xfrm>
+        </p:spPr>
+        <p:txBody>
+          <a:bodyPr anchor="ctr">
+            <a:normAutofit/>
+          </a:bodyPr>
+          <a:lstStyle/>
+          <a:p>
+            <a:pPr marL="0" indent="0" algn="ctr">
+              <a:buNone/>
+            </a:pPr>
+            <a:r>
+              <a:rPr lang="zh-TW" altLang="en-US" sz="6400" b="1" dirty="0">
+                <a:solidFill>
+                  <a:srgbClr val="660033"/>
+                </a:solidFill>
+                <a:latin typeface="Microsoft JhengHei" panose="020B0604030504040204" pitchFamily="34" charset="-120"/>
+                <a:ea typeface="Microsoft JhengHei" panose="020B0604030504040204" pitchFamily="34" charset="-120"/>
+              </a:rPr>
+              <a:t>所有錢財應該樂捐為福音</a:t>
+            </a:r>
+          </a:p>
+          <a:p>
+            <a:pPr marL="0" indent="0" algn="ctr">
+              <a:buNone/>
+            </a:pPr>
+            <a:r>
+              <a:rPr lang="zh-TW" altLang="en-US" sz="6400" b="1" dirty="0">
+                <a:solidFill>
+                  <a:srgbClr val="660033"/>
+                </a:solidFill>
+                <a:latin typeface="Microsoft JhengHei" panose="020B0604030504040204" pitchFamily="34" charset="-120"/>
+                <a:ea typeface="Microsoft JhengHei" panose="020B0604030504040204" pitchFamily="34" charset="-120"/>
+              </a:rPr>
+              <a:t>並你子女也獻主去宣傳</a:t>
+            </a:r>
+            <a:endParaRPr lang="zh-TW" altLang="en-US" sz="6400" b="1" dirty="0">
+              <a:solidFill>
+                <a:srgbClr val="660033"/>
+              </a:solidFill>
+              <a:latin typeface="Microsoft JhengHei" panose="020B0604030504040204" pitchFamily="34" charset="-120"/>
+              <a:ea typeface="Microsoft JhengHei" panose="020B0604030504040204" pitchFamily="34" charset="-120"/>
+            </a:endParaRPr>
+          </a:p>
+        </p:txBody>
+      </p:sp>
+      <p:sp>
+        <p:nvSpPr>
+          <p:cNvPr id="3" name="TextBox 2"/>
+          <p:cNvSpPr txBox="1"/>
+          <p:nvPr/>
+        </p:nvSpPr>
+        <p:spPr>
+          <a:xfrm>
+            <a:off x="335360" y="2212307"/>
+            <a:ext cx="1248139" cy="1077218"/>
+          </a:xfrm>
+          <a:prstGeom prst="rect">
+            <a:avLst/>
+          </a:prstGeom>
+          <a:noFill/>
+        </p:spPr>
+        <p:txBody>
+          <a:bodyPr wrap="square" rtlCol="0">
+            <a:spAutoFit/>
+          </a:bodyPr>
+          <a:lstStyle/>
+          <a:p>
+            <a:r>
+              <a:rPr lang="en-US" sz="6400" b="1" dirty="0">
+                <a:solidFill>
+                  <a:srgbClr val="660033"/>
+                </a:solidFill>
+              </a:rPr>
+              <a:t>5.</a:t>
+            </a:r>
+            <a:endParaRPr lang="vi-VN" sz="6400" b="1" dirty="0">
+              <a:solidFill>
+                <a:srgbClr val="660033"/>
+              </a:solidFill>
+            </a:endParaRPr>
+          </a:p>
+        </p:txBody>
+      </p:sp>
+    </p:spTree>
+    <p:extLst>
+      <p:ext uri="{BB962C8B-B14F-4D97-AF65-F5344CB8AC3E}">
+        <p14:creationId xmlns:p14="http://schemas.microsoft.com/office/powerpoint/2010/main" val="3463160821"/>
+      </p:ext>
+    </p:extLst>
+  </p:cSld>
+  <p:clrMapOvr>
+    <a:masterClrMapping/>
+  </p:clrMapOvr>
+  <p:timing>
+    <p:tnLst>
+      <p:par>
+        <p:cTn id="1" dur="indefinite" restart="never" nodeType="tmRoot"/>
+      </p:par>
+    </p:tnLst>
+  </p:timing>
+</p:sld>
+</file>
+
+<file path=ppt/slides/slide15.xml><?xml version="1.0" encoding="utf-8"?>
+<p:sld xmlns:a="http://schemas.openxmlformats.org/drawingml/2006/main" xmlns:r="http://schemas.openxmlformats.org/officeDocument/2006/relationships" xmlns:p="http://schemas.openxmlformats.org/presentationml/2006/main">
+  <p:cSld>
+    <p:spTree>
+      <p:nvGrpSpPr>
+        <p:cNvPr id="1" name=""/>
+        <p:cNvGrpSpPr/>
+        <p:nvPr/>
+      </p:nvGrpSpPr>
+      <p:grpSpPr>
+        <a:xfrm>
+          <a:off x="0" y="0"/>
+          <a:ext cx="0" cy="0"/>
+          <a:chOff x="0" y="0"/>
+          <a:chExt cx="0" cy="0"/>
+        </a:xfrm>
+      </p:grpSpPr>
+      <p:sp>
+        <p:nvSpPr>
+          <p:cNvPr id="5" name="內容版面配置區 4"/>
+          <p:cNvSpPr>
+            <a:spLocks noGrp="1"/>
+          </p:cNvSpPr>
+          <p:nvPr>
+            <p:ph idx="1"/>
+          </p:nvPr>
+        </p:nvSpPr>
+        <p:spPr>
+          <a:xfrm>
+            <a:off x="0" y="2084851"/>
+            <a:ext cx="12192000" cy="2404863"/>
+          </a:xfrm>
+        </p:spPr>
+        <p:txBody>
+          <a:bodyPr anchor="ctr">
+            <a:normAutofit/>
+          </a:bodyPr>
+          <a:lstStyle/>
+          <a:p>
+            <a:pPr marL="0" indent="0" algn="ctr">
+              <a:buNone/>
+            </a:pPr>
+            <a:r>
+              <a:rPr lang="zh-TW" altLang="en-US" sz="6400" b="1" dirty="0">
+                <a:solidFill>
+                  <a:srgbClr val="660033"/>
+                </a:solidFill>
+                <a:latin typeface="Microsoft JhengHei" panose="020B0604030504040204" pitchFamily="34" charset="-120"/>
+                <a:ea typeface="Microsoft JhengHei" panose="020B0604030504040204" pitchFamily="34" charset="-120"/>
+              </a:rPr>
+              <a:t>且在主前懇求真理大得勝</a:t>
+            </a:r>
+          </a:p>
+          <a:p>
+            <a:pPr marL="0" indent="0" algn="ctr">
+              <a:buNone/>
+            </a:pPr>
+            <a:r>
+              <a:rPr lang="zh-TW" altLang="en-US" sz="6400" b="1" dirty="0">
+                <a:solidFill>
+                  <a:srgbClr val="660033"/>
+                </a:solidFill>
+                <a:latin typeface="Microsoft JhengHei" panose="020B0604030504040204" pitchFamily="34" charset="-120"/>
+                <a:ea typeface="Microsoft JhengHei" panose="020B0604030504040204" pitchFamily="34" charset="-120"/>
+              </a:rPr>
+              <a:t>因你所費救主必還周全</a:t>
+            </a:r>
+            <a:endParaRPr lang="zh-TW" altLang="en-US" sz="6400" b="1" dirty="0">
+              <a:solidFill>
+                <a:srgbClr val="660033"/>
+              </a:solidFill>
+              <a:latin typeface="Microsoft JhengHei" panose="020B0604030504040204" pitchFamily="34" charset="-120"/>
+              <a:ea typeface="Microsoft JhengHei" panose="020B0604030504040204" pitchFamily="34" charset="-120"/>
+            </a:endParaRPr>
+          </a:p>
+        </p:txBody>
+      </p:sp>
+      <p:sp>
+        <p:nvSpPr>
+          <p:cNvPr id="3" name="TextBox 2"/>
+          <p:cNvSpPr txBox="1"/>
+          <p:nvPr/>
+        </p:nvSpPr>
+        <p:spPr>
+          <a:xfrm>
+            <a:off x="335360" y="2212307"/>
+            <a:ext cx="1248139" cy="1077218"/>
+          </a:xfrm>
+          <a:prstGeom prst="rect">
+            <a:avLst/>
+          </a:prstGeom>
+          <a:noFill/>
+        </p:spPr>
+        <p:txBody>
+          <a:bodyPr wrap="square" rtlCol="0">
+            <a:spAutoFit/>
+          </a:bodyPr>
+          <a:lstStyle/>
+          <a:p>
+            <a:r>
+              <a:rPr lang="en-US" sz="6400" b="1" dirty="0">
+                <a:solidFill>
+                  <a:srgbClr val="660033"/>
+                </a:solidFill>
+              </a:rPr>
+              <a:t>5.</a:t>
+            </a:r>
+            <a:endParaRPr lang="vi-VN" sz="6400" b="1" dirty="0">
+              <a:solidFill>
+                <a:srgbClr val="660033"/>
+              </a:solidFill>
+            </a:endParaRPr>
+          </a:p>
+        </p:txBody>
+      </p:sp>
+    </p:spTree>
+    <p:extLst>
+      <p:ext uri="{BB962C8B-B14F-4D97-AF65-F5344CB8AC3E}">
+        <p14:creationId xmlns:p14="http://schemas.microsoft.com/office/powerpoint/2010/main" val="1292565421"/>
+      </p:ext>
+    </p:extLst>
+  </p:cSld>
+  <p:clrMapOvr>
+    <a:masterClrMapping/>
+  </p:clrMapOvr>
+  <p:timing>
+    <p:tnLst>
+      <p:par>
+        <p:cTn id="1" dur="indefinite" restart="never" nodeType="tmRoot"/>
+      </p:par>
+    </p:tnLst>
+  </p:timing>
+</p:sld>
+</file>
+
+<file path=ppt/slides/slide16.xml><?xml version="1.0" encoding="utf-8"?>
+<p:sld xmlns:a="http://schemas.openxmlformats.org/drawingml/2006/main" xmlns:r="http://schemas.openxmlformats.org/officeDocument/2006/relationships" xmlns:p="http://schemas.openxmlformats.org/presentationml/2006/main">
+  <p:cSld>
+    <p:spTree>
+      <p:nvGrpSpPr>
+        <p:cNvPr id="1" name=""/>
+        <p:cNvGrpSpPr/>
+        <p:nvPr/>
+      </p:nvGrpSpPr>
+      <p:grpSpPr>
+        <a:xfrm>
+          <a:off x="0" y="0"/>
+          <a:ext cx="0" cy="0"/>
+          <a:chOff x="0" y="0"/>
+          <a:chExt cx="0" cy="0"/>
+        </a:xfrm>
+      </p:grpSpPr>
+      <p:sp>
+        <p:nvSpPr>
+          <p:cNvPr id="5" name="內容版面配置區 4"/>
+          <p:cNvSpPr>
+            <a:spLocks noGrp="1"/>
+          </p:cNvSpPr>
+          <p:nvPr>
+            <p:ph idx="1"/>
+          </p:nvPr>
+        </p:nvSpPr>
+        <p:spPr>
+          <a:xfrm>
+            <a:off x="0" y="2084851"/>
+            <a:ext cx="12192000" cy="2404863"/>
+          </a:xfrm>
+        </p:spPr>
+        <p:txBody>
+          <a:bodyPr anchor="ctr">
+            <a:normAutofit/>
+          </a:bodyPr>
+          <a:lstStyle/>
+          <a:p>
+            <a:pPr marL="0" indent="0" algn="ctr">
+              <a:buNone/>
+            </a:pPr>
+            <a:r>
+              <a:rPr lang="zh-TW" altLang="en-US" sz="6400" b="1" dirty="0">
+                <a:solidFill>
+                  <a:srgbClr val="660033"/>
+                </a:solidFill>
+                <a:latin typeface="Microsoft JhengHei" panose="020B0604030504040204" pitchFamily="34" charset="-120"/>
+                <a:ea typeface="Microsoft JhengHei" panose="020B0604030504040204" pitchFamily="34" charset="-120"/>
+              </a:rPr>
+              <a:t>傳揚好信息和平福音</a:t>
+            </a:r>
+          </a:p>
+          <a:p>
+            <a:pPr marL="0" indent="0" algn="ctr">
+              <a:buNone/>
+            </a:pPr>
+            <a:r>
+              <a:rPr lang="zh-TW" altLang="en-US" sz="6400" b="1" dirty="0">
+                <a:solidFill>
+                  <a:srgbClr val="660033"/>
+                </a:solidFill>
+                <a:latin typeface="Microsoft JhengHei" panose="020B0604030504040204" pitchFamily="34" charset="-120"/>
+                <a:ea typeface="Microsoft JhengHei" panose="020B0604030504040204" pitchFamily="34" charset="-120"/>
+              </a:rPr>
+              <a:t>傳揚主耶穌  已經救贖罪人</a:t>
+            </a:r>
+            <a:endParaRPr lang="zh-TW" altLang="en-US" sz="6400" b="1" dirty="0">
+              <a:solidFill>
+                <a:srgbClr val="660033"/>
+              </a:solidFill>
+              <a:latin typeface="Microsoft JhengHei" panose="020B0604030504040204" pitchFamily="34" charset="-120"/>
+              <a:ea typeface="Microsoft JhengHei" panose="020B0604030504040204" pitchFamily="34" charset="-120"/>
+            </a:endParaRPr>
+          </a:p>
+        </p:txBody>
+      </p:sp>
+    </p:spTree>
+    <p:extLst>
+      <p:ext uri="{BB962C8B-B14F-4D97-AF65-F5344CB8AC3E}">
+        <p14:creationId xmlns:p14="http://schemas.microsoft.com/office/powerpoint/2010/main" val="4023403410"/>
+      </p:ext>
+    </p:extLst>
+  </p:cSld>
+  <p:clrMapOvr>
+    <a:masterClrMapping/>
+  </p:clrMapOvr>
+  <p:timing>
+    <p:tnLst>
+      <p:par>
+        <p:cTn id="1" dur="indefinite" restart="never" nodeType="tmRoot"/>
+      </p:par>
+    </p:tnLst>
+  </p:timing>
+</p:sld>
+</file>
+
+<file path=ppt/slides/slide17.xml><?xml version="1.0" encoding="utf-8"?>
+<p:sld xmlns:a="http://schemas.openxmlformats.org/drawingml/2006/main" xmlns:r="http://schemas.openxmlformats.org/officeDocument/2006/relationships" xmlns:p="http://schemas.openxmlformats.org/presentationml/2006/main">
+  <p:cSld>
+    <p:spTree>
+      <p:nvGrpSpPr>
+        <p:cNvPr id="1" name=""/>
+        <p:cNvGrpSpPr/>
+        <p:nvPr/>
+      </p:nvGrpSpPr>
+      <p:grpSpPr>
+        <a:xfrm>
+          <a:off x="0" y="0"/>
+          <a:ext cx="0" cy="0"/>
+          <a:chOff x="0" y="0"/>
+          <a:chExt cx="0" cy="0"/>
+        </a:xfrm>
+      </p:grpSpPr>
+      <p:sp>
+        <p:nvSpPr>
+          <p:cNvPr id="5" name="內容版面配置區 4"/>
+          <p:cNvSpPr>
+            <a:spLocks noGrp="1"/>
+          </p:cNvSpPr>
+          <p:nvPr>
+            <p:ph idx="1"/>
+          </p:nvPr>
+        </p:nvSpPr>
+        <p:spPr>
+          <a:xfrm>
+            <a:off x="0" y="2084851"/>
+            <a:ext cx="12192000" cy="2404863"/>
+          </a:xfrm>
+        </p:spPr>
+        <p:txBody>
+          <a:bodyPr anchor="ctr">
+            <a:normAutofit/>
+          </a:bodyPr>
+          <a:lstStyle/>
+          <a:p>
+            <a:pPr marL="0" indent="0" algn="ctr">
+              <a:buNone/>
+            </a:pPr>
+            <a:r>
+              <a:rPr lang="zh-TW" altLang="en-US" sz="6400" b="1" dirty="0">
+                <a:solidFill>
+                  <a:srgbClr val="660033"/>
+                </a:solidFill>
+                <a:latin typeface="Microsoft JhengHei" panose="020B0604030504040204" pitchFamily="34" charset="-120"/>
+                <a:ea typeface="Microsoft JhengHei" panose="020B0604030504040204" pitchFamily="34" charset="-120"/>
+              </a:rPr>
+              <a:t>應當紀念救主一定快再臨</a:t>
+            </a:r>
+          </a:p>
+          <a:p>
+            <a:pPr marL="0" indent="0" algn="ctr">
+              <a:buNone/>
+            </a:pPr>
+            <a:r>
+              <a:rPr lang="zh-TW" altLang="en-US" sz="6400" b="1" dirty="0">
+                <a:solidFill>
+                  <a:srgbClr val="660033"/>
+                </a:solidFill>
+                <a:latin typeface="Microsoft JhengHei" panose="020B0604030504040204" pitchFamily="34" charset="-120"/>
+                <a:ea typeface="Microsoft JhengHei" panose="020B0604030504040204" pitchFamily="34" charset="-120"/>
+              </a:rPr>
+              <a:t>所以當盡本份傳揚聖名</a:t>
+            </a:r>
+            <a:endParaRPr lang="zh-TW" altLang="en-US" sz="6400" b="1" dirty="0">
+              <a:solidFill>
+                <a:srgbClr val="660033"/>
+              </a:solidFill>
+              <a:latin typeface="Microsoft JhengHei" panose="020B0604030504040204" pitchFamily="34" charset="-120"/>
+              <a:ea typeface="Microsoft JhengHei" panose="020B0604030504040204" pitchFamily="34" charset="-120"/>
+            </a:endParaRPr>
+          </a:p>
+        </p:txBody>
+      </p:sp>
+      <p:sp>
+        <p:nvSpPr>
+          <p:cNvPr id="3" name="TextBox 2"/>
+          <p:cNvSpPr txBox="1"/>
+          <p:nvPr/>
+        </p:nvSpPr>
+        <p:spPr>
+          <a:xfrm>
+            <a:off x="335360" y="2212307"/>
+            <a:ext cx="1248139" cy="1077218"/>
+          </a:xfrm>
+          <a:prstGeom prst="rect">
+            <a:avLst/>
+          </a:prstGeom>
+          <a:noFill/>
+        </p:spPr>
+        <p:txBody>
+          <a:bodyPr wrap="square" rtlCol="0">
+            <a:spAutoFit/>
+          </a:bodyPr>
+          <a:lstStyle/>
+          <a:p>
+            <a:r>
+              <a:rPr lang="en-US" sz="6400" b="1" dirty="0">
+                <a:solidFill>
+                  <a:srgbClr val="660033"/>
+                </a:solidFill>
+              </a:rPr>
+              <a:t>6.</a:t>
+            </a:r>
+            <a:endParaRPr lang="vi-VN" sz="6400" b="1" dirty="0">
+              <a:solidFill>
+                <a:srgbClr val="660033"/>
+              </a:solidFill>
+            </a:endParaRPr>
+          </a:p>
+        </p:txBody>
+      </p:sp>
+    </p:spTree>
+    <p:extLst>
+      <p:ext uri="{BB962C8B-B14F-4D97-AF65-F5344CB8AC3E}">
+        <p14:creationId xmlns:p14="http://schemas.microsoft.com/office/powerpoint/2010/main" val="233584376"/>
+      </p:ext>
+    </p:extLst>
+  </p:cSld>
+  <p:clrMapOvr>
+    <a:masterClrMapping/>
+  </p:clrMapOvr>
+  <p:timing>
+    <p:tnLst>
+      <p:par>
+        <p:cTn id="1" dur="indefinite" restart="never" nodeType="tmRoot"/>
+      </p:par>
+    </p:tnLst>
+  </p:timing>
+</p:sld>
+</file>
+
+<file path=ppt/slides/slide18.xml><?xml version="1.0" encoding="utf-8"?>
+<p:sld xmlns:a="http://schemas.openxmlformats.org/drawingml/2006/main" xmlns:r="http://schemas.openxmlformats.org/officeDocument/2006/relationships" xmlns:p="http://schemas.openxmlformats.org/presentationml/2006/main">
+  <p:cSld>
+    <p:spTree>
+      <p:nvGrpSpPr>
+        <p:cNvPr id="1" name=""/>
+        <p:cNvGrpSpPr/>
+        <p:nvPr/>
+      </p:nvGrpSpPr>
+      <p:grpSpPr>
+        <a:xfrm>
+          <a:off x="0" y="0"/>
+          <a:ext cx="0" cy="0"/>
+          <a:chOff x="0" y="0"/>
+          <a:chExt cx="0" cy="0"/>
+        </a:xfrm>
+      </p:grpSpPr>
+      <p:sp>
+        <p:nvSpPr>
+          <p:cNvPr id="5" name="內容版面配置區 4"/>
+          <p:cNvSpPr>
+            <a:spLocks noGrp="1"/>
+          </p:cNvSpPr>
+          <p:nvPr>
+            <p:ph idx="1"/>
+          </p:nvPr>
+        </p:nvSpPr>
+        <p:spPr>
+          <a:xfrm>
+            <a:off x="0" y="2084851"/>
+            <a:ext cx="12192000" cy="2404863"/>
+          </a:xfrm>
+        </p:spPr>
+        <p:txBody>
+          <a:bodyPr anchor="ctr">
+            <a:normAutofit/>
+          </a:bodyPr>
+          <a:lstStyle/>
+          <a:p>
+            <a:pPr marL="0" indent="0" algn="ctr">
+              <a:buNone/>
+            </a:pPr>
+            <a:r>
+              <a:rPr lang="zh-TW" altLang="en-US" sz="6400" b="1" dirty="0">
+                <a:solidFill>
+                  <a:srgbClr val="660033"/>
+                </a:solidFill>
+                <a:latin typeface="Microsoft JhengHei" panose="020B0604030504040204" pitchFamily="34" charset="-120"/>
+                <a:ea typeface="Microsoft JhengHei" panose="020B0604030504040204" pitchFamily="34" charset="-120"/>
+              </a:rPr>
+              <a:t>可憐多人因你我不發熱心</a:t>
+            </a:r>
+          </a:p>
+          <a:p>
+            <a:pPr marL="0" indent="0" algn="ctr">
+              <a:buNone/>
+            </a:pPr>
+            <a:r>
+              <a:rPr lang="zh-TW" altLang="en-US" sz="6400" b="1" dirty="0">
+                <a:solidFill>
+                  <a:srgbClr val="660033"/>
+                </a:solidFill>
+                <a:latin typeface="Microsoft JhengHei" panose="020B0604030504040204" pitchFamily="34" charset="-120"/>
+                <a:ea typeface="Microsoft JhengHei" panose="020B0604030504040204" pitchFamily="34" charset="-120"/>
+              </a:rPr>
+              <a:t>難見主面亦難居住天城</a:t>
+            </a:r>
+            <a:endParaRPr lang="zh-TW" altLang="en-US" sz="6400" b="1" dirty="0">
+              <a:solidFill>
+                <a:srgbClr val="660033"/>
+              </a:solidFill>
+              <a:latin typeface="Microsoft JhengHei" panose="020B0604030504040204" pitchFamily="34" charset="-120"/>
+              <a:ea typeface="Microsoft JhengHei" panose="020B0604030504040204" pitchFamily="34" charset="-120"/>
+            </a:endParaRPr>
+          </a:p>
+        </p:txBody>
+      </p:sp>
+      <p:sp>
+        <p:nvSpPr>
+          <p:cNvPr id="3" name="TextBox 2"/>
+          <p:cNvSpPr txBox="1"/>
+          <p:nvPr/>
+        </p:nvSpPr>
+        <p:spPr>
+          <a:xfrm>
+            <a:off x="335360" y="2212307"/>
+            <a:ext cx="1248139" cy="1077218"/>
+          </a:xfrm>
+          <a:prstGeom prst="rect">
+            <a:avLst/>
+          </a:prstGeom>
+          <a:noFill/>
+        </p:spPr>
+        <p:txBody>
+          <a:bodyPr wrap="square" rtlCol="0">
+            <a:spAutoFit/>
+          </a:bodyPr>
+          <a:lstStyle/>
+          <a:p>
+            <a:r>
+              <a:rPr lang="en-US" sz="6400" b="1" dirty="0">
+                <a:solidFill>
+                  <a:srgbClr val="660033"/>
+                </a:solidFill>
+              </a:rPr>
+              <a:t>6.</a:t>
+            </a:r>
+            <a:endParaRPr lang="vi-VN" sz="6400" b="1" dirty="0">
+              <a:solidFill>
+                <a:srgbClr val="660033"/>
+              </a:solidFill>
+            </a:endParaRPr>
+          </a:p>
+        </p:txBody>
+      </p:sp>
+    </p:spTree>
+    <p:extLst>
+      <p:ext uri="{BB962C8B-B14F-4D97-AF65-F5344CB8AC3E}">
+        <p14:creationId xmlns:p14="http://schemas.microsoft.com/office/powerpoint/2010/main" val="1044743648"/>
+      </p:ext>
+    </p:extLst>
+  </p:cSld>
+  <p:clrMapOvr>
+    <a:masterClrMapping/>
+  </p:clrMapOvr>
+  <p:timing>
+    <p:tnLst>
+      <p:par>
+        <p:cTn id="1" dur="indefinite" restart="never" nodeType="tmRoot"/>
+      </p:par>
+    </p:tnLst>
+  </p:timing>
+</p:sld>
+</file>
+
+<file path=ppt/slides/slide19.xml><?xml version="1.0" encoding="utf-8"?>
+<p:sld xmlns:a="http://schemas.openxmlformats.org/drawingml/2006/main" xmlns:r="http://schemas.openxmlformats.org/officeDocument/2006/relationships" xmlns:p="http://schemas.openxmlformats.org/presentationml/2006/main">
+  <p:cSld>
+    <p:spTree>
+      <p:nvGrpSpPr>
+        <p:cNvPr id="1" name=""/>
+        <p:cNvGrpSpPr/>
+        <p:nvPr/>
+      </p:nvGrpSpPr>
+      <p:grpSpPr>
+        <a:xfrm>
+          <a:off x="0" y="0"/>
+          <a:ext cx="0" cy="0"/>
+          <a:chOff x="0" y="0"/>
+          <a:chExt cx="0" cy="0"/>
+        </a:xfrm>
+      </p:grpSpPr>
+      <p:sp>
+        <p:nvSpPr>
+          <p:cNvPr id="5" name="內容版面配置區 4"/>
+          <p:cNvSpPr>
+            <a:spLocks noGrp="1"/>
+          </p:cNvSpPr>
+          <p:nvPr>
+            <p:ph idx="1"/>
+          </p:nvPr>
+        </p:nvSpPr>
+        <p:spPr>
+          <a:xfrm>
+            <a:off x="0" y="2084851"/>
+            <a:ext cx="12192000" cy="2404863"/>
+          </a:xfrm>
+        </p:spPr>
+        <p:txBody>
+          <a:bodyPr anchor="ctr">
+            <a:normAutofit/>
+          </a:bodyPr>
+          <a:lstStyle/>
+          <a:p>
+            <a:pPr marL="0" indent="0" algn="ctr">
+              <a:buNone/>
+            </a:pPr>
+            <a:r>
+              <a:rPr lang="zh-TW" altLang="en-US" sz="6400" b="1" dirty="0">
+                <a:solidFill>
+                  <a:srgbClr val="660033"/>
+                </a:solidFill>
+                <a:latin typeface="Microsoft JhengHei" panose="020B0604030504040204" pitchFamily="34" charset="-120"/>
+                <a:ea typeface="Microsoft JhengHei" panose="020B0604030504040204" pitchFamily="34" charset="-120"/>
+              </a:rPr>
+              <a:t>傳揚好信息和平福音</a:t>
+            </a:r>
+          </a:p>
+          <a:p>
+            <a:pPr marL="0" indent="0" algn="ctr">
+              <a:buNone/>
+            </a:pPr>
+            <a:r>
+              <a:rPr lang="zh-TW" altLang="en-US" sz="6400" b="1" dirty="0">
+                <a:solidFill>
+                  <a:srgbClr val="660033"/>
+                </a:solidFill>
+                <a:latin typeface="Microsoft JhengHei" panose="020B0604030504040204" pitchFamily="34" charset="-120"/>
+                <a:ea typeface="Microsoft JhengHei" panose="020B0604030504040204" pitchFamily="34" charset="-120"/>
+              </a:rPr>
+              <a:t>傳揚主耶穌  已經救贖罪人</a:t>
+            </a:r>
+            <a:endParaRPr lang="zh-TW" altLang="en-US" sz="6400" b="1" dirty="0">
+              <a:solidFill>
+                <a:srgbClr val="660033"/>
+              </a:solidFill>
+              <a:latin typeface="Microsoft JhengHei" panose="020B0604030504040204" pitchFamily="34" charset="-120"/>
+              <a:ea typeface="Microsoft JhengHei" panose="020B0604030504040204" pitchFamily="34" charset="-120"/>
+            </a:endParaRPr>
+          </a:p>
+        </p:txBody>
+      </p:sp>
+    </p:spTree>
+    <p:extLst>
+      <p:ext uri="{BB962C8B-B14F-4D97-AF65-F5344CB8AC3E}">
+        <p14:creationId xmlns:p14="http://schemas.microsoft.com/office/powerpoint/2010/main" val="1047739718"/>
+      </p:ext>
+    </p:extLst>
+  </p:cSld>
+  <p:clrMapOvr>
+    <a:masterClrMapping/>
+  </p:clrMapOvr>
+  <p:timing>
+    <p:tnLst>
+      <p:par>
+        <p:cTn id="1" dur="indefinite" restart="never" nodeType="tmRoot"/>
+      </p:par>
+    </p:tnLst>
+  </p:timing>
 </p:sld>
 </file>
 
@@ -4419,127 +5116,119 @@
       </p:grpSpPr>
       <p:sp>
         <p:nvSpPr>
-          <p:cNvPr id="4" name="Title 3"/>
-          <p:cNvSpPr>
-            <a:spLocks noGrp="1"/>
-          </p:cNvSpPr>
-          <p:nvPr>
-            <p:ph type="title"/>
-          </p:nvPr>
-        </p:nvSpPr>
-        <p:spPr/>
-        <p:txBody>
-          <a:bodyPr>
+          <p:cNvPr id="5" name="內容版面配置區 4"/>
+          <p:cNvSpPr>
+            <a:spLocks noGrp="1"/>
+          </p:cNvSpPr>
+          <p:nvPr>
+            <p:ph idx="1"/>
+          </p:nvPr>
+        </p:nvSpPr>
+        <p:spPr>
+          <a:xfrm>
+            <a:off x="0" y="2084851"/>
+            <a:ext cx="12192000" cy="2404863"/>
+          </a:xfrm>
+        </p:spPr>
+        <p:txBody>
+          <a:bodyPr anchor="ctr">
             <a:normAutofit/>
           </a:bodyPr>
           <a:lstStyle/>
           <a:p>
-            <a:r>
-              <a:rPr lang="en-US" altLang="zh-TW" sz="4800" b="1" dirty="0">
+            <a:pPr marL="0" indent="0" algn="ctr">
+              <a:buNone/>
+            </a:pPr>
+            <a:r>
+              <a:rPr lang="zh-TW" altLang="en-US" sz="6400" b="1" dirty="0">
                 <a:solidFill>
                   <a:srgbClr val="660033"/>
                 </a:solidFill>
                 <a:latin typeface="Microsoft JhengHei" panose="020B0604030504040204" pitchFamily="34" charset="-120"/>
                 <a:ea typeface="Microsoft JhengHei" panose="020B0604030504040204" pitchFamily="34" charset="-120"/>
               </a:rPr>
-              <a:t>【</a:t>
-            </a:r>
-            <a:r>
-              <a:rPr lang="zh-TW" altLang="en-US" sz="4800" b="1" dirty="0">
+              <a:t>教會趕緊遵命拯救普天下</a:t>
+            </a:r>
+          </a:p>
+          <a:p>
+            <a:pPr marL="0" indent="0" algn="ctr">
+              <a:buNone/>
+            </a:pPr>
+            <a:r>
+              <a:rPr lang="zh-TW" altLang="en-US" sz="6400" b="1" dirty="0">
                 <a:solidFill>
                   <a:srgbClr val="660033"/>
                 </a:solidFill>
                 <a:latin typeface="Microsoft JhengHei" panose="020B0604030504040204" pitchFamily="34" charset="-120"/>
                 <a:ea typeface="Microsoft JhengHei" panose="020B0604030504040204" pitchFamily="34" charset="-120"/>
               </a:rPr>
-              <a:t>教會趕緊傳道</a:t>
-            </a:r>
-            <a:r>
-              <a:rPr lang="en-US" altLang="zh-TW" sz="4800" b="1" dirty="0">
+              <a:t>當早通知世人真神是光</a:t>
+            </a:r>
+            <a:endParaRPr lang="zh-TW" altLang="en-US" sz="6400" b="1" dirty="0">
+              <a:solidFill>
+                <a:srgbClr val="660033"/>
+              </a:solidFill>
+              <a:latin typeface="Microsoft JhengHei" panose="020B0604030504040204" pitchFamily="34" charset="-120"/>
+              <a:ea typeface="Microsoft JhengHei" panose="020B0604030504040204" pitchFamily="34" charset="-120"/>
+            </a:endParaRPr>
+          </a:p>
+        </p:txBody>
+      </p:sp>
+      <p:sp>
+        <p:nvSpPr>
+          <p:cNvPr id="3" name="TextBox 2"/>
+          <p:cNvSpPr txBox="1"/>
+          <p:nvPr/>
+        </p:nvSpPr>
+        <p:spPr>
+          <a:xfrm>
+            <a:off x="335360" y="2212307"/>
+            <a:ext cx="1248139" cy="1077218"/>
+          </a:xfrm>
+          <a:prstGeom prst="rect">
+            <a:avLst/>
+          </a:prstGeom>
+          <a:noFill/>
+        </p:spPr>
+        <p:txBody>
+          <a:bodyPr wrap="square" rtlCol="0">
+            <a:spAutoFit/>
+          </a:bodyPr>
+          <a:lstStyle/>
+          <a:p>
+            <a:r>
+              <a:rPr lang="en-US" sz="6400" b="1" dirty="0">
                 <a:solidFill>
                   <a:srgbClr val="660033"/>
                 </a:solidFill>
-                <a:latin typeface="Microsoft JhengHei" panose="020B0604030504040204" pitchFamily="34" charset="-120"/>
-                <a:ea typeface="Microsoft JhengHei" panose="020B0604030504040204" pitchFamily="34" charset="-120"/>
               </a:rPr>
-              <a:t>】</a:t>
-            </a:r>
-          </a:p>
-        </p:txBody>
-      </p:sp>
-      <p:sp>
-        <p:nvSpPr>
-          <p:cNvPr id="5" name="Content Placeholder 4"/>
-          <p:cNvSpPr>
-            <a:spLocks noGrp="1"/>
-          </p:cNvSpPr>
-          <p:nvPr>
-            <p:ph idx="1"/>
-          </p:nvPr>
-        </p:nvSpPr>
-        <p:spPr/>
-        <p:txBody>
-          <a:bodyPr>
-            <a:normAutofit/>
-          </a:bodyPr>
-          <a:lstStyle/>
-          <a:p>
-            <a:pPr marL="0" indent="0" algn="ctr">
-              <a:buNone/>
-            </a:pPr>
-            <a:r>
-              <a:rPr lang="zh-TW" altLang="en-US" sz="5400" b="1" dirty="0">
-                <a:solidFill>
-                  <a:srgbClr val="660033"/>
-                </a:solidFill>
-                <a:latin typeface="Microsoft JhengHei" panose="020B0604030504040204" pitchFamily="34" charset="-120"/>
-                <a:ea typeface="Microsoft JhengHei" panose="020B0604030504040204" pitchFamily="34" charset="-120"/>
-              </a:rPr>
-              <a:t>傳揚好信息和平福音</a:t>
-            </a:r>
-          </a:p>
-          <a:p>
-            <a:pPr marL="0" indent="0" algn="ctr">
-              <a:buNone/>
-            </a:pPr>
-            <a:r>
-              <a:rPr lang="zh-TW" altLang="en-US" sz="5400" b="1" dirty="0">
-                <a:solidFill>
-                  <a:srgbClr val="660033"/>
-                </a:solidFill>
-                <a:latin typeface="Microsoft JhengHei" panose="020B0604030504040204" pitchFamily="34" charset="-120"/>
-                <a:ea typeface="Microsoft JhengHei" panose="020B0604030504040204" pitchFamily="34" charset="-120"/>
-              </a:rPr>
-              <a:t>傳揚主耶穌</a:t>
-            </a:r>
-          </a:p>
-          <a:p>
-            <a:pPr marL="0" indent="0" algn="ctr">
-              <a:buNone/>
-            </a:pPr>
-            <a:r>
-              <a:rPr lang="zh-TW" altLang="en-US" sz="5400" b="1" dirty="0">
-                <a:solidFill>
-                  <a:srgbClr val="660033"/>
-                </a:solidFill>
-                <a:latin typeface="Microsoft JhengHei" panose="020B0604030504040204" pitchFamily="34" charset="-120"/>
-                <a:ea typeface="Microsoft JhengHei" panose="020B0604030504040204" pitchFamily="34" charset="-120"/>
-              </a:rPr>
-              <a:t>已經救贖罪人</a:t>
-            </a:r>
+              <a:t>1.</a:t>
+            </a:r>
+            <a:endParaRPr lang="vi-VN" sz="6400" b="1" dirty="0">
+              <a:solidFill>
+                <a:srgbClr val="660033"/>
+              </a:solidFill>
+            </a:endParaRPr>
           </a:p>
         </p:txBody>
       </p:sp>
     </p:spTree>
     <p:extLst>
       <p:ext uri="{BB962C8B-B14F-4D97-AF65-F5344CB8AC3E}">
-        <p14:creationId xmlns:p14="http://schemas.microsoft.com/office/powerpoint/2010/main" val="3888308921"/>
+        <p14:creationId xmlns:p14="http://schemas.microsoft.com/office/powerpoint/2010/main" val="1129113734"/>
       </p:ext>
     </p:extLst>
   </p:cSld>
   <p:clrMapOvr>
     <a:masterClrMapping/>
   </p:clrMapOvr>
+  <p:timing>
+    <p:tnLst>
+      <p:par>
+        <p:cTn id="1" dur="indefinite" restart="never" nodeType="tmRoot"/>
+      </p:par>
+    </p:tnLst>
+  </p:timing>
 </p:sld>
 </file>
 
@@ -4562,176 +5251,95 @@
       </p:grpSpPr>
       <p:sp>
         <p:nvSpPr>
-          <p:cNvPr id="4" name="Title 3"/>
-          <p:cNvSpPr>
-            <a:spLocks noGrp="1"/>
-          </p:cNvSpPr>
-          <p:nvPr>
-            <p:ph type="title"/>
-          </p:nvPr>
-        </p:nvSpPr>
-        <p:spPr/>
-        <p:txBody>
-          <a:bodyPr>
+          <p:cNvPr id="5" name="內容版面配置區 4"/>
+          <p:cNvSpPr>
+            <a:spLocks noGrp="1"/>
+          </p:cNvSpPr>
+          <p:nvPr>
+            <p:ph idx="1"/>
+          </p:nvPr>
+        </p:nvSpPr>
+        <p:spPr>
+          <a:xfrm>
+            <a:off x="0" y="2084851"/>
+            <a:ext cx="12192000" cy="2404863"/>
+          </a:xfrm>
+        </p:spPr>
+        <p:txBody>
+          <a:bodyPr anchor="ctr">
             <a:normAutofit/>
           </a:bodyPr>
           <a:lstStyle/>
           <a:p>
-            <a:r>
-              <a:rPr lang="en-US" altLang="zh-TW" sz="4800" b="1" dirty="0">
+            <a:pPr marL="0" indent="0" algn="ctr">
+              <a:buNone/>
+            </a:pPr>
+            <a:r>
+              <a:rPr lang="zh-TW" altLang="en-US" sz="6400" b="1" dirty="0">
                 <a:solidFill>
                   <a:srgbClr val="660033"/>
                 </a:solidFill>
                 <a:latin typeface="Microsoft JhengHei" panose="020B0604030504040204" pitchFamily="34" charset="-120"/>
                 <a:ea typeface="Microsoft JhengHei" panose="020B0604030504040204" pitchFamily="34" charset="-120"/>
               </a:rPr>
-              <a:t>【</a:t>
-            </a:r>
-            <a:r>
-              <a:rPr lang="zh-TW" altLang="en-US" sz="4800" b="1" dirty="0">
+              <a:t>使他深知造人主宰不願意</a:t>
+            </a:r>
+          </a:p>
+          <a:p>
+            <a:pPr marL="0" indent="0" algn="ctr">
+              <a:buNone/>
+            </a:pPr>
+            <a:r>
+              <a:rPr lang="zh-TW" altLang="en-US" sz="6400" b="1" dirty="0">
                 <a:solidFill>
                   <a:srgbClr val="660033"/>
                 </a:solidFill>
                 <a:latin typeface="Microsoft JhengHei" panose="020B0604030504040204" pitchFamily="34" charset="-120"/>
                 <a:ea typeface="Microsoft JhengHei" panose="020B0604030504040204" pitchFamily="34" charset="-120"/>
               </a:rPr>
-              <a:t>教會趕緊傳道</a:t>
-            </a:r>
-            <a:r>
-              <a:rPr lang="en-US" altLang="zh-TW" sz="4800" b="1" dirty="0">
-                <a:solidFill>
-                  <a:srgbClr val="660033"/>
-                </a:solidFill>
-                <a:latin typeface="Microsoft JhengHei" panose="020B0604030504040204" pitchFamily="34" charset="-120"/>
-                <a:ea typeface="Microsoft JhengHei" panose="020B0604030504040204" pitchFamily="34" charset="-120"/>
-              </a:rPr>
-              <a:t>】</a:t>
-            </a:r>
-          </a:p>
-        </p:txBody>
-      </p:sp>
-      <p:sp>
-        <p:nvSpPr>
-          <p:cNvPr id="5" name="Content Placeholder 4"/>
-          <p:cNvSpPr>
-            <a:spLocks noGrp="1"/>
-          </p:cNvSpPr>
-          <p:nvPr>
-            <p:ph idx="1"/>
-          </p:nvPr>
-        </p:nvSpPr>
-        <p:spPr/>
-        <p:txBody>
-          <a:bodyPr>
-            <a:normAutofit/>
-          </a:bodyPr>
-          <a:lstStyle/>
-          <a:p>
-            <a:pPr marL="0" indent="0" algn="ctr">
-              <a:buNone/>
-            </a:pPr>
-            <a:r>
-              <a:rPr lang="zh-TW" altLang="en-US" sz="5400" b="1" dirty="0">
-                <a:solidFill>
-                  <a:srgbClr val="660033"/>
-                </a:solidFill>
-                <a:latin typeface="Microsoft JhengHei" panose="020B0604030504040204" pitchFamily="34" charset="-120"/>
-                <a:ea typeface="Microsoft JhengHei" panose="020B0604030504040204" pitchFamily="34" charset="-120"/>
-              </a:rPr>
-              <a:t>請看千萬罪人仍然有困苦</a:t>
-            </a:r>
-          </a:p>
-          <a:p>
-            <a:pPr marL="0" indent="0" algn="ctr">
-              <a:buNone/>
-            </a:pPr>
-            <a:r>
-              <a:rPr lang="zh-TW" altLang="en-US" sz="5400" b="1" dirty="0">
-                <a:solidFill>
-                  <a:srgbClr val="660033"/>
-                </a:solidFill>
-                <a:latin typeface="Microsoft JhengHei" panose="020B0604030504040204" pitchFamily="34" charset="-120"/>
-                <a:ea typeface="Microsoft JhengHei" panose="020B0604030504040204" pitchFamily="34" charset="-120"/>
-              </a:rPr>
-              <a:t>居在罪惡魔鬼束縛凄楚</a:t>
-            </a:r>
-          </a:p>
-          <a:p>
-            <a:pPr marL="0" indent="0" algn="ctr">
-              <a:buNone/>
-            </a:pPr>
-            <a:r>
-              <a:rPr lang="zh-TW" altLang="en-US" sz="5400" b="1" dirty="0">
-                <a:solidFill>
-                  <a:srgbClr val="660033"/>
-                </a:solidFill>
-                <a:latin typeface="Microsoft JhengHei" panose="020B0604030504040204" pitchFamily="34" charset="-120"/>
-                <a:ea typeface="Microsoft JhengHei" panose="020B0604030504040204" pitchFamily="34" charset="-120"/>
-              </a:rPr>
-              <a:t>無人通知救主耶穌已受死</a:t>
-            </a:r>
-          </a:p>
-          <a:p>
-            <a:pPr marL="0" indent="0" algn="ctr">
-              <a:buNone/>
-            </a:pPr>
-            <a:r>
-              <a:rPr lang="zh-TW" altLang="en-US" sz="5400" b="1" dirty="0">
-                <a:solidFill>
-                  <a:srgbClr val="660033"/>
-                </a:solidFill>
-                <a:latin typeface="Microsoft JhengHei" panose="020B0604030504040204" pitchFamily="34" charset="-120"/>
-                <a:ea typeface="Microsoft JhengHei" panose="020B0604030504040204" pitchFamily="34" charset="-120"/>
-              </a:rPr>
-              <a:t>由死復活使他享永生福</a:t>
-            </a:r>
-          </a:p>
-        </p:txBody>
-      </p:sp>
-      <p:sp>
-        <p:nvSpPr>
-          <p:cNvPr id="6" name="Text Box 1"/>
+              <a:t>一個靈魂終歸黑暗地方</a:t>
+            </a:r>
+            <a:endParaRPr lang="zh-TW" altLang="en-US" sz="6400" b="1" dirty="0">
+              <a:solidFill>
+                <a:srgbClr val="660033"/>
+              </a:solidFill>
+              <a:latin typeface="Microsoft JhengHei" panose="020B0604030504040204" pitchFamily="34" charset="-120"/>
+              <a:ea typeface="Microsoft JhengHei" panose="020B0604030504040204" pitchFamily="34" charset="-120"/>
+            </a:endParaRPr>
+          </a:p>
+        </p:txBody>
+      </p:sp>
+      <p:sp>
+        <p:nvSpPr>
+          <p:cNvPr id="3" name="TextBox 2"/>
           <p:cNvSpPr txBox="1"/>
           <p:nvPr/>
         </p:nvSpPr>
         <p:spPr>
           <a:xfrm>
-            <a:off x="592892" y="1700808"/>
-            <a:ext cx="1193960" cy="923330"/>
+            <a:off x="335360" y="2212307"/>
+            <a:ext cx="1248139" cy="1077218"/>
           </a:xfrm>
           <a:prstGeom prst="rect">
             <a:avLst/>
           </a:prstGeom>
           <a:noFill/>
-          <a:ln w="9525">
-            <a:noFill/>
-            <a:miter lim="800000"/>
-          </a:ln>
         </p:spPr>
         <p:txBody>
-          <a:bodyPr wrap="square">
+          <a:bodyPr wrap="square" rtlCol="0">
             <a:spAutoFit/>
           </a:bodyPr>
           <a:lstStyle/>
           <a:p>
-            <a:pPr algn="ctr"/>
-            <a:r>
-              <a:rPr lang="en-US" sz="5400" b="1" dirty="0">
+            <a:r>
+              <a:rPr lang="en-US" sz="6400" b="1" dirty="0">
                 <a:solidFill>
                   <a:srgbClr val="660033"/>
                 </a:solidFill>
               </a:rPr>
-              <a:t>2</a:t>
-            </a:r>
-            <a:r>
-              <a:rPr lang="en-US" sz="5400" b="1" dirty="0" smtClean="0">
-                <a:solidFill>
-                  <a:srgbClr val="660033"/>
-                </a:solidFill>
-              </a:rPr>
-              <a:t>.</a:t>
-            </a:r>
-            <a:endParaRPr lang="en-US" sz="5400" b="1" dirty="0">
+              <a:t>1.</a:t>
+            </a:r>
+            <a:endParaRPr lang="vi-VN" sz="6400" b="1" dirty="0">
               <a:solidFill>
                 <a:srgbClr val="660033"/>
               </a:solidFill>
@@ -4742,13 +5350,20 @@
     </p:spTree>
     <p:extLst>
       <p:ext uri="{BB962C8B-B14F-4D97-AF65-F5344CB8AC3E}">
-        <p14:creationId xmlns:p14="http://schemas.microsoft.com/office/powerpoint/2010/main" val="240995677"/>
+        <p14:creationId xmlns:p14="http://schemas.microsoft.com/office/powerpoint/2010/main" val="2236919010"/>
       </p:ext>
     </p:extLst>
   </p:cSld>
   <p:clrMapOvr>
     <a:masterClrMapping/>
   </p:clrMapOvr>
+  <p:timing>
+    <p:tnLst>
+      <p:par>
+        <p:cTn id="1" dur="indefinite" restart="never" nodeType="tmRoot"/>
+      </p:par>
+    </p:tnLst>
+  </p:timing>
 </p:sld>
 </file>
 
@@ -4771,76 +5386,31 @@
       </p:grpSpPr>
       <p:sp>
         <p:nvSpPr>
-          <p:cNvPr id="4" name="Title 3"/>
-          <p:cNvSpPr>
-            <a:spLocks noGrp="1"/>
-          </p:cNvSpPr>
-          <p:nvPr>
-            <p:ph type="title"/>
-          </p:nvPr>
-        </p:nvSpPr>
-        <p:spPr/>
-        <p:txBody>
-          <a:bodyPr>
+          <p:cNvPr id="5" name="內容版面配置區 4"/>
+          <p:cNvSpPr>
+            <a:spLocks noGrp="1"/>
+          </p:cNvSpPr>
+          <p:nvPr>
+            <p:ph idx="1"/>
+          </p:nvPr>
+        </p:nvSpPr>
+        <p:spPr>
+          <a:xfrm>
+            <a:off x="0" y="2084851"/>
+            <a:ext cx="12192000" cy="2404863"/>
+          </a:xfrm>
+        </p:spPr>
+        <p:txBody>
+          <a:bodyPr anchor="ctr">
             <a:normAutofit/>
           </a:bodyPr>
           <a:lstStyle/>
           <a:p>
-            <a:r>
-              <a:rPr lang="en-US" altLang="zh-TW" sz="4800" b="1" dirty="0">
-                <a:solidFill>
-                  <a:srgbClr val="660033"/>
-                </a:solidFill>
-                <a:latin typeface="Microsoft JhengHei" panose="020B0604030504040204" pitchFamily="34" charset="-120"/>
-                <a:ea typeface="Microsoft JhengHei" panose="020B0604030504040204" pitchFamily="34" charset="-120"/>
-              </a:rPr>
-              <a:t>【</a:t>
-            </a:r>
-            <a:r>
-              <a:rPr lang="zh-TW" altLang="en-US" sz="4800" b="1" dirty="0">
-                <a:solidFill>
-                  <a:srgbClr val="660033"/>
-                </a:solidFill>
-                <a:latin typeface="Microsoft JhengHei" panose="020B0604030504040204" pitchFamily="34" charset="-120"/>
-                <a:ea typeface="Microsoft JhengHei" panose="020B0604030504040204" pitchFamily="34" charset="-120"/>
-              </a:rPr>
-              <a:t>教會趕緊傳道</a:t>
-            </a:r>
-            <a:r>
-              <a:rPr lang="en-US" altLang="zh-TW" sz="4800" b="1" dirty="0">
-                <a:solidFill>
-                  <a:srgbClr val="660033"/>
-                </a:solidFill>
-                <a:latin typeface="Microsoft JhengHei" panose="020B0604030504040204" pitchFamily="34" charset="-120"/>
-                <a:ea typeface="Microsoft JhengHei" panose="020B0604030504040204" pitchFamily="34" charset="-120"/>
-              </a:rPr>
-              <a:t>】</a:t>
-            </a:r>
-          </a:p>
-        </p:txBody>
-      </p:sp>
-      <p:sp>
-        <p:nvSpPr>
-          <p:cNvPr id="5" name="Content Placeholder 4"/>
-          <p:cNvSpPr>
-            <a:spLocks noGrp="1"/>
-          </p:cNvSpPr>
-          <p:nvPr>
-            <p:ph idx="1"/>
-          </p:nvPr>
-        </p:nvSpPr>
-        <p:spPr/>
-        <p:txBody>
-          <a:bodyPr>
-            <a:normAutofit/>
-          </a:bodyPr>
-          <a:lstStyle/>
-          <a:p>
             <a:pPr marL="0" indent="0" algn="ctr">
               <a:buNone/>
             </a:pPr>
             <a:r>
-              <a:rPr lang="zh-TW" altLang="en-US" sz="5400" b="1" dirty="0">
+              <a:rPr lang="zh-TW" altLang="en-US" sz="6400" b="1" dirty="0">
                 <a:solidFill>
                   <a:srgbClr val="660033"/>
                 </a:solidFill>
@@ -4855,43 +5425,42 @@
               <a:buNone/>
             </a:pPr>
             <a:r>
-              <a:rPr lang="zh-TW" altLang="en-US" sz="5400" b="1" dirty="0">
+              <a:rPr lang="zh-TW" altLang="en-US" sz="6400" b="1" dirty="0">
                 <a:solidFill>
                   <a:srgbClr val="660033"/>
                 </a:solidFill>
                 <a:latin typeface="Microsoft JhengHei" panose="020B0604030504040204" pitchFamily="34" charset="-120"/>
                 <a:ea typeface="Microsoft JhengHei" panose="020B0604030504040204" pitchFamily="34" charset="-120"/>
               </a:rPr>
-              <a:t>傳揚主耶穌</a:t>
-            </a:r>
-          </a:p>
-          <a:p>
-            <a:pPr marL="0" indent="0" algn="ctr">
-              <a:buNone/>
-            </a:pPr>
-            <a:r>
-              <a:rPr lang="zh-TW" altLang="en-US" sz="5400" b="1" dirty="0">
-                <a:solidFill>
-                  <a:srgbClr val="660033"/>
-                </a:solidFill>
-                <a:latin typeface="Microsoft JhengHei" panose="020B0604030504040204" pitchFamily="34" charset="-120"/>
-                <a:ea typeface="Microsoft JhengHei" panose="020B0604030504040204" pitchFamily="34" charset="-120"/>
-              </a:rPr>
-              <a:t>已經救贖罪人</a:t>
-            </a:r>
+              <a:t>傳揚主耶穌  已經救贖罪人</a:t>
+            </a:r>
+            <a:endParaRPr lang="zh-TW" altLang="en-US" sz="6400" b="1" dirty="0">
+              <a:solidFill>
+                <a:srgbClr val="660033"/>
+              </a:solidFill>
+              <a:latin typeface="Microsoft JhengHei" panose="020B0604030504040204" pitchFamily="34" charset="-120"/>
+              <a:ea typeface="Microsoft JhengHei" panose="020B0604030504040204" pitchFamily="34" charset="-120"/>
+            </a:endParaRPr>
           </a:p>
         </p:txBody>
       </p:sp>
     </p:spTree>
     <p:extLst>
       <p:ext uri="{BB962C8B-B14F-4D97-AF65-F5344CB8AC3E}">
-        <p14:creationId xmlns:p14="http://schemas.microsoft.com/office/powerpoint/2010/main" val="385331784"/>
+        <p14:creationId xmlns:p14="http://schemas.microsoft.com/office/powerpoint/2010/main" val="441693385"/>
       </p:ext>
     </p:extLst>
   </p:cSld>
   <p:clrMapOvr>
     <a:masterClrMapping/>
   </p:clrMapOvr>
+  <p:timing>
+    <p:tnLst>
+      <p:par>
+        <p:cTn id="1" dur="indefinite" restart="never" nodeType="tmRoot"/>
+      </p:par>
+    </p:tnLst>
+  </p:timing>
 </p:sld>
 </file>
 
@@ -4914,176 +5483,95 @@
       </p:grpSpPr>
       <p:sp>
         <p:nvSpPr>
-          <p:cNvPr id="4" name="Title 3"/>
-          <p:cNvSpPr>
-            <a:spLocks noGrp="1"/>
-          </p:cNvSpPr>
-          <p:nvPr>
-            <p:ph type="title"/>
-          </p:nvPr>
-        </p:nvSpPr>
-        <p:spPr/>
-        <p:txBody>
-          <a:bodyPr>
+          <p:cNvPr id="5" name="內容版面配置區 4"/>
+          <p:cNvSpPr>
+            <a:spLocks noGrp="1"/>
+          </p:cNvSpPr>
+          <p:nvPr>
+            <p:ph idx="1"/>
+          </p:nvPr>
+        </p:nvSpPr>
+        <p:spPr>
+          <a:xfrm>
+            <a:off x="0" y="2084851"/>
+            <a:ext cx="12192000" cy="2404863"/>
+          </a:xfrm>
+        </p:spPr>
+        <p:txBody>
+          <a:bodyPr anchor="ctr">
             <a:normAutofit/>
           </a:bodyPr>
           <a:lstStyle/>
           <a:p>
-            <a:r>
-              <a:rPr lang="en-US" altLang="zh-TW" sz="4800" b="1" dirty="0">
+            <a:pPr marL="0" indent="0" algn="ctr">
+              <a:buNone/>
+            </a:pPr>
+            <a:r>
+              <a:rPr lang="zh-TW" altLang="en-US" sz="6400" b="1" dirty="0">
                 <a:solidFill>
                   <a:srgbClr val="660033"/>
                 </a:solidFill>
                 <a:latin typeface="Microsoft JhengHei" panose="020B0604030504040204" pitchFamily="34" charset="-120"/>
                 <a:ea typeface="Microsoft JhengHei" panose="020B0604030504040204" pitchFamily="34" charset="-120"/>
               </a:rPr>
-              <a:t>【</a:t>
-            </a:r>
-            <a:r>
-              <a:rPr lang="zh-TW" altLang="en-US" sz="4800" b="1" dirty="0">
+              <a:t>請看千萬罪人仍然有困苦</a:t>
+            </a:r>
+          </a:p>
+          <a:p>
+            <a:pPr marL="0" indent="0" algn="ctr">
+              <a:buNone/>
+            </a:pPr>
+            <a:r>
+              <a:rPr lang="zh-TW" altLang="en-US" sz="6400" b="1" dirty="0">
                 <a:solidFill>
                   <a:srgbClr val="660033"/>
                 </a:solidFill>
                 <a:latin typeface="Microsoft JhengHei" panose="020B0604030504040204" pitchFamily="34" charset="-120"/>
                 <a:ea typeface="Microsoft JhengHei" panose="020B0604030504040204" pitchFamily="34" charset="-120"/>
               </a:rPr>
-              <a:t>教會趕緊傳道</a:t>
-            </a:r>
-            <a:r>
-              <a:rPr lang="en-US" altLang="zh-TW" sz="4800" b="1" dirty="0">
-                <a:solidFill>
-                  <a:srgbClr val="660033"/>
-                </a:solidFill>
-                <a:latin typeface="Microsoft JhengHei" panose="020B0604030504040204" pitchFamily="34" charset="-120"/>
-                <a:ea typeface="Microsoft JhengHei" panose="020B0604030504040204" pitchFamily="34" charset="-120"/>
-              </a:rPr>
-              <a:t>】</a:t>
-            </a:r>
-          </a:p>
-        </p:txBody>
-      </p:sp>
-      <p:sp>
-        <p:nvSpPr>
-          <p:cNvPr id="5" name="Content Placeholder 4"/>
-          <p:cNvSpPr>
-            <a:spLocks noGrp="1"/>
-          </p:cNvSpPr>
-          <p:nvPr>
-            <p:ph idx="1"/>
-          </p:nvPr>
-        </p:nvSpPr>
-        <p:spPr/>
-        <p:txBody>
-          <a:bodyPr>
-            <a:normAutofit/>
-          </a:bodyPr>
-          <a:lstStyle/>
-          <a:p>
-            <a:pPr marL="0" indent="0" algn="ctr">
-              <a:buNone/>
-            </a:pPr>
-            <a:r>
-              <a:rPr lang="zh-TW" altLang="en-US" sz="5400" b="1" dirty="0">
-                <a:solidFill>
-                  <a:srgbClr val="660033"/>
-                </a:solidFill>
-                <a:latin typeface="Microsoft JhengHei" panose="020B0604030504040204" pitchFamily="34" charset="-120"/>
-                <a:ea typeface="Microsoft JhengHei" panose="020B0604030504040204" pitchFamily="34" charset="-120"/>
-              </a:rPr>
-              <a:t>主能救人脫離罪惡眾煩惱</a:t>
-            </a:r>
-          </a:p>
-          <a:p>
-            <a:pPr marL="0" indent="0" algn="ctr">
-              <a:buNone/>
-            </a:pPr>
-            <a:r>
-              <a:rPr lang="zh-TW" altLang="en-US" sz="5400" b="1" dirty="0">
-                <a:solidFill>
-                  <a:srgbClr val="660033"/>
-                </a:solidFill>
-                <a:latin typeface="Microsoft JhengHei" panose="020B0604030504040204" pitchFamily="34" charset="-120"/>
-                <a:ea typeface="Microsoft JhengHei" panose="020B0604030504040204" pitchFamily="34" charset="-120"/>
-              </a:rPr>
-              <a:t>因他捨命成就救靈工夫</a:t>
-            </a:r>
-          </a:p>
-          <a:p>
-            <a:pPr marL="0" indent="0" algn="ctr">
-              <a:buNone/>
-            </a:pPr>
-            <a:r>
-              <a:rPr lang="zh-TW" altLang="en-US" sz="5400" b="1" dirty="0">
-                <a:solidFill>
-                  <a:srgbClr val="660033"/>
-                </a:solidFill>
-                <a:latin typeface="Microsoft JhengHei" panose="020B0604030504040204" pitchFamily="34" charset="-120"/>
-                <a:ea typeface="Microsoft JhengHei" panose="020B0604030504040204" pitchFamily="34" charset="-120"/>
-              </a:rPr>
-              <a:t>現時教會當大謹慎大儆醒</a:t>
-            </a:r>
-          </a:p>
-          <a:p>
-            <a:pPr marL="0" indent="0" algn="ctr">
-              <a:buNone/>
-            </a:pPr>
-            <a:r>
-              <a:rPr lang="zh-TW" altLang="en-US" sz="5400" b="1" dirty="0">
-                <a:solidFill>
-                  <a:srgbClr val="660033"/>
-                </a:solidFill>
-                <a:latin typeface="Microsoft JhengHei" panose="020B0604030504040204" pitchFamily="34" charset="-120"/>
-                <a:ea typeface="Microsoft JhengHei" panose="020B0604030504040204" pitchFamily="34" charset="-120"/>
-              </a:rPr>
-              <a:t>庶免攔阻一人信靠耶穌</a:t>
-            </a:r>
-          </a:p>
-        </p:txBody>
-      </p:sp>
-      <p:sp>
-        <p:nvSpPr>
-          <p:cNvPr id="6" name="Text Box 1"/>
+              <a:t>居在罪惡魔鬼束縛凄楚</a:t>
+            </a:r>
+            <a:endParaRPr lang="zh-TW" altLang="en-US" sz="6400" b="1" dirty="0">
+              <a:solidFill>
+                <a:srgbClr val="660033"/>
+              </a:solidFill>
+              <a:latin typeface="Microsoft JhengHei" panose="020B0604030504040204" pitchFamily="34" charset="-120"/>
+              <a:ea typeface="Microsoft JhengHei" panose="020B0604030504040204" pitchFamily="34" charset="-120"/>
+            </a:endParaRPr>
+          </a:p>
+        </p:txBody>
+      </p:sp>
+      <p:sp>
+        <p:nvSpPr>
+          <p:cNvPr id="3" name="TextBox 2"/>
           <p:cNvSpPr txBox="1"/>
           <p:nvPr/>
         </p:nvSpPr>
         <p:spPr>
           <a:xfrm>
-            <a:off x="592892" y="1700808"/>
-            <a:ext cx="1193960" cy="923330"/>
+            <a:off x="335360" y="2212307"/>
+            <a:ext cx="1248139" cy="1077218"/>
           </a:xfrm>
           <a:prstGeom prst="rect">
             <a:avLst/>
           </a:prstGeom>
           <a:noFill/>
-          <a:ln w="9525">
-            <a:noFill/>
-            <a:miter lim="800000"/>
-          </a:ln>
         </p:spPr>
         <p:txBody>
-          <a:bodyPr wrap="square">
+          <a:bodyPr wrap="square" rtlCol="0">
             <a:spAutoFit/>
           </a:bodyPr>
           <a:lstStyle/>
           <a:p>
-            <a:pPr algn="ctr"/>
-            <a:r>
-              <a:rPr lang="en-US" sz="5400" b="1" dirty="0">
+            <a:r>
+              <a:rPr lang="en-US" sz="6400" b="1" dirty="0">
                 <a:solidFill>
                   <a:srgbClr val="660033"/>
                 </a:solidFill>
               </a:rPr>
-              <a:t>3</a:t>
-            </a:r>
-            <a:r>
-              <a:rPr lang="en-US" sz="5400" b="1" dirty="0" smtClean="0">
-                <a:solidFill>
-                  <a:srgbClr val="660033"/>
-                </a:solidFill>
-              </a:rPr>
-              <a:t>.</a:t>
-            </a:r>
-            <a:endParaRPr lang="en-US" sz="5400" b="1" dirty="0">
+              <a:t>2.</a:t>
+            </a:r>
+            <a:endParaRPr lang="vi-VN" sz="6400" b="1" dirty="0">
               <a:solidFill>
                 <a:srgbClr val="660033"/>
               </a:solidFill>
@@ -5094,13 +5582,20 @@
     </p:spTree>
     <p:extLst>
       <p:ext uri="{BB962C8B-B14F-4D97-AF65-F5344CB8AC3E}">
-        <p14:creationId xmlns:p14="http://schemas.microsoft.com/office/powerpoint/2010/main" val="687093677"/>
+        <p14:creationId xmlns:p14="http://schemas.microsoft.com/office/powerpoint/2010/main" val="2346942775"/>
       </p:ext>
     </p:extLst>
   </p:cSld>
   <p:clrMapOvr>
     <a:masterClrMapping/>
   </p:clrMapOvr>
+  <p:timing>
+    <p:tnLst>
+      <p:par>
+        <p:cTn id="1" dur="indefinite" restart="never" nodeType="tmRoot"/>
+      </p:par>
+    </p:tnLst>
+  </p:timing>
 </p:sld>
 </file>
 
@@ -5123,127 +5618,119 @@
       </p:grpSpPr>
       <p:sp>
         <p:nvSpPr>
-          <p:cNvPr id="4" name="Title 3"/>
-          <p:cNvSpPr>
-            <a:spLocks noGrp="1"/>
-          </p:cNvSpPr>
-          <p:nvPr>
-            <p:ph type="title"/>
-          </p:nvPr>
-        </p:nvSpPr>
-        <p:spPr/>
-        <p:txBody>
-          <a:bodyPr>
+          <p:cNvPr id="5" name="內容版面配置區 4"/>
+          <p:cNvSpPr>
+            <a:spLocks noGrp="1"/>
+          </p:cNvSpPr>
+          <p:nvPr>
+            <p:ph idx="1"/>
+          </p:nvPr>
+        </p:nvSpPr>
+        <p:spPr>
+          <a:xfrm>
+            <a:off x="0" y="2084851"/>
+            <a:ext cx="12192000" cy="2404863"/>
+          </a:xfrm>
+        </p:spPr>
+        <p:txBody>
+          <a:bodyPr anchor="ctr">
             <a:normAutofit/>
           </a:bodyPr>
           <a:lstStyle/>
           <a:p>
-            <a:r>
-              <a:rPr lang="en-US" altLang="zh-TW" sz="4800" b="1" dirty="0">
+            <a:pPr marL="0" indent="0" algn="ctr">
+              <a:buNone/>
+            </a:pPr>
+            <a:r>
+              <a:rPr lang="zh-TW" altLang="en-US" sz="6400" b="1" dirty="0">
                 <a:solidFill>
                   <a:srgbClr val="660033"/>
                 </a:solidFill>
                 <a:latin typeface="Microsoft JhengHei" panose="020B0604030504040204" pitchFamily="34" charset="-120"/>
                 <a:ea typeface="Microsoft JhengHei" panose="020B0604030504040204" pitchFamily="34" charset="-120"/>
               </a:rPr>
-              <a:t>【</a:t>
-            </a:r>
-            <a:r>
-              <a:rPr lang="zh-TW" altLang="en-US" sz="4800" b="1" dirty="0">
+              <a:t>無人通知救主耶穌已受死</a:t>
+            </a:r>
+          </a:p>
+          <a:p>
+            <a:pPr marL="0" indent="0" algn="ctr">
+              <a:buNone/>
+            </a:pPr>
+            <a:r>
+              <a:rPr lang="zh-TW" altLang="en-US" sz="6400" b="1" dirty="0">
                 <a:solidFill>
                   <a:srgbClr val="660033"/>
                 </a:solidFill>
                 <a:latin typeface="Microsoft JhengHei" panose="020B0604030504040204" pitchFamily="34" charset="-120"/>
                 <a:ea typeface="Microsoft JhengHei" panose="020B0604030504040204" pitchFamily="34" charset="-120"/>
               </a:rPr>
-              <a:t>教會趕緊傳道</a:t>
-            </a:r>
-            <a:r>
-              <a:rPr lang="en-US" altLang="zh-TW" sz="4800" b="1" dirty="0">
+              <a:t>由死復活使他享永生福</a:t>
+            </a:r>
+            <a:endParaRPr lang="zh-TW" altLang="en-US" sz="6400" b="1" dirty="0">
+              <a:solidFill>
+                <a:srgbClr val="660033"/>
+              </a:solidFill>
+              <a:latin typeface="Microsoft JhengHei" panose="020B0604030504040204" pitchFamily="34" charset="-120"/>
+              <a:ea typeface="Microsoft JhengHei" panose="020B0604030504040204" pitchFamily="34" charset="-120"/>
+            </a:endParaRPr>
+          </a:p>
+        </p:txBody>
+      </p:sp>
+      <p:sp>
+        <p:nvSpPr>
+          <p:cNvPr id="3" name="TextBox 2"/>
+          <p:cNvSpPr txBox="1"/>
+          <p:nvPr/>
+        </p:nvSpPr>
+        <p:spPr>
+          <a:xfrm>
+            <a:off x="335360" y="2212307"/>
+            <a:ext cx="1248139" cy="1077218"/>
+          </a:xfrm>
+          <a:prstGeom prst="rect">
+            <a:avLst/>
+          </a:prstGeom>
+          <a:noFill/>
+        </p:spPr>
+        <p:txBody>
+          <a:bodyPr wrap="square" rtlCol="0">
+            <a:spAutoFit/>
+          </a:bodyPr>
+          <a:lstStyle/>
+          <a:p>
+            <a:r>
+              <a:rPr lang="en-US" sz="6400" b="1" dirty="0">
                 <a:solidFill>
                   <a:srgbClr val="660033"/>
                 </a:solidFill>
-                <a:latin typeface="Microsoft JhengHei" panose="020B0604030504040204" pitchFamily="34" charset="-120"/>
-                <a:ea typeface="Microsoft JhengHei" panose="020B0604030504040204" pitchFamily="34" charset="-120"/>
               </a:rPr>
-              <a:t>】</a:t>
-            </a:r>
-          </a:p>
-        </p:txBody>
-      </p:sp>
-      <p:sp>
-        <p:nvSpPr>
-          <p:cNvPr id="5" name="Content Placeholder 4"/>
-          <p:cNvSpPr>
-            <a:spLocks noGrp="1"/>
-          </p:cNvSpPr>
-          <p:nvPr>
-            <p:ph idx="1"/>
-          </p:nvPr>
-        </p:nvSpPr>
-        <p:spPr/>
-        <p:txBody>
-          <a:bodyPr>
-            <a:normAutofit/>
-          </a:bodyPr>
-          <a:lstStyle/>
-          <a:p>
-            <a:pPr marL="0" indent="0" algn="ctr">
-              <a:buNone/>
-            </a:pPr>
-            <a:r>
-              <a:rPr lang="zh-TW" altLang="en-US" sz="5400" b="1" dirty="0">
-                <a:solidFill>
-                  <a:srgbClr val="660033"/>
-                </a:solidFill>
-                <a:latin typeface="Microsoft JhengHei" panose="020B0604030504040204" pitchFamily="34" charset="-120"/>
-                <a:ea typeface="Microsoft JhengHei" panose="020B0604030504040204" pitchFamily="34" charset="-120"/>
-              </a:rPr>
-              <a:t>傳揚好信息和平福音</a:t>
-            </a:r>
-          </a:p>
-          <a:p>
-            <a:pPr marL="0" indent="0" algn="ctr">
-              <a:buNone/>
-            </a:pPr>
-            <a:r>
-              <a:rPr lang="zh-TW" altLang="en-US" sz="5400" b="1" dirty="0">
-                <a:solidFill>
-                  <a:srgbClr val="660033"/>
-                </a:solidFill>
-                <a:latin typeface="Microsoft JhengHei" panose="020B0604030504040204" pitchFamily="34" charset="-120"/>
-                <a:ea typeface="Microsoft JhengHei" panose="020B0604030504040204" pitchFamily="34" charset="-120"/>
-              </a:rPr>
-              <a:t>傳揚主耶穌</a:t>
-            </a:r>
-          </a:p>
-          <a:p>
-            <a:pPr marL="0" indent="0" algn="ctr">
-              <a:buNone/>
-            </a:pPr>
-            <a:r>
-              <a:rPr lang="zh-TW" altLang="en-US" sz="5400" b="1" dirty="0">
-                <a:solidFill>
-                  <a:srgbClr val="660033"/>
-                </a:solidFill>
-                <a:latin typeface="Microsoft JhengHei" panose="020B0604030504040204" pitchFamily="34" charset="-120"/>
-                <a:ea typeface="Microsoft JhengHei" panose="020B0604030504040204" pitchFamily="34" charset="-120"/>
-              </a:rPr>
-              <a:t>已經救贖罪人</a:t>
-            </a:r>
+              <a:t>2.</a:t>
+            </a:r>
+            <a:endParaRPr lang="vi-VN" sz="6400" b="1" dirty="0">
+              <a:solidFill>
+                <a:srgbClr val="660033"/>
+              </a:solidFill>
+            </a:endParaRPr>
           </a:p>
         </p:txBody>
       </p:sp>
     </p:spTree>
     <p:extLst>
       <p:ext uri="{BB962C8B-B14F-4D97-AF65-F5344CB8AC3E}">
-        <p14:creationId xmlns:p14="http://schemas.microsoft.com/office/powerpoint/2010/main" val="2705356294"/>
+        <p14:creationId xmlns:p14="http://schemas.microsoft.com/office/powerpoint/2010/main" val="150730868"/>
       </p:ext>
     </p:extLst>
   </p:cSld>
   <p:clrMapOvr>
     <a:masterClrMapping/>
   </p:clrMapOvr>
+  <p:timing>
+    <p:tnLst>
+      <p:par>
+        <p:cTn id="1" dur="indefinite" restart="never" nodeType="tmRoot"/>
+      </p:par>
+    </p:tnLst>
+  </p:timing>
 </p:sld>
 </file>
 
@@ -5266,199 +5753,60 @@
       </p:grpSpPr>
       <p:sp>
         <p:nvSpPr>
-          <p:cNvPr id="4" name="Title 3"/>
-          <p:cNvSpPr>
-            <a:spLocks noGrp="1"/>
-          </p:cNvSpPr>
-          <p:nvPr>
-            <p:ph type="title"/>
-          </p:nvPr>
-        </p:nvSpPr>
-        <p:spPr/>
-        <p:txBody>
-          <a:bodyPr>
+          <p:cNvPr id="5" name="內容版面配置區 4"/>
+          <p:cNvSpPr>
+            <a:spLocks noGrp="1"/>
+          </p:cNvSpPr>
+          <p:nvPr>
+            <p:ph idx="1"/>
+          </p:nvPr>
+        </p:nvSpPr>
+        <p:spPr>
+          <a:xfrm>
+            <a:off x="0" y="2084851"/>
+            <a:ext cx="12192000" cy="2404863"/>
+          </a:xfrm>
+        </p:spPr>
+        <p:txBody>
+          <a:bodyPr anchor="ctr">
             <a:normAutofit/>
           </a:bodyPr>
           <a:lstStyle/>
           <a:p>
-            <a:r>
-              <a:rPr lang="en-US" altLang="zh-TW" sz="4800" b="1" dirty="0">
+            <a:pPr marL="0" indent="0" algn="ctr">
+              <a:buNone/>
+            </a:pPr>
+            <a:r>
+              <a:rPr lang="zh-TW" altLang="en-US" sz="6400" b="1" dirty="0">
                 <a:solidFill>
                   <a:srgbClr val="660033"/>
                 </a:solidFill>
                 <a:latin typeface="Microsoft JhengHei" panose="020B0604030504040204" pitchFamily="34" charset="-120"/>
                 <a:ea typeface="Microsoft JhengHei" panose="020B0604030504040204" pitchFamily="34" charset="-120"/>
               </a:rPr>
-              <a:t>【</a:t>
-            </a:r>
-            <a:r>
-              <a:rPr lang="zh-TW" altLang="en-US" sz="4800" b="1" dirty="0">
+              <a:t>傳揚好信息和平福音</a:t>
+            </a:r>
+          </a:p>
+          <a:p>
+            <a:pPr marL="0" indent="0" algn="ctr">
+              <a:buNone/>
+            </a:pPr>
+            <a:r>
+              <a:rPr lang="zh-TW" altLang="en-US" sz="6400" b="1" dirty="0">
                 <a:solidFill>
                   <a:srgbClr val="660033"/>
                 </a:solidFill>
                 <a:latin typeface="Microsoft JhengHei" panose="020B0604030504040204" pitchFamily="34" charset="-120"/>
                 <a:ea typeface="Microsoft JhengHei" panose="020B0604030504040204" pitchFamily="34" charset="-120"/>
               </a:rPr>
-              <a:t>教會趕緊傳道</a:t>
-            </a:r>
-            <a:r>
-              <a:rPr lang="en-US" altLang="zh-TW" sz="4800" b="1" dirty="0">
-                <a:solidFill>
-                  <a:srgbClr val="660033"/>
-                </a:solidFill>
-                <a:latin typeface="Microsoft JhengHei" panose="020B0604030504040204" pitchFamily="34" charset="-120"/>
-                <a:ea typeface="Microsoft JhengHei" panose="020B0604030504040204" pitchFamily="34" charset="-120"/>
-              </a:rPr>
-              <a:t>】</a:t>
-            </a:r>
-          </a:p>
-        </p:txBody>
-      </p:sp>
-      <p:sp>
-        <p:nvSpPr>
-          <p:cNvPr id="5" name="Content Placeholder 4"/>
-          <p:cNvSpPr>
-            <a:spLocks noGrp="1"/>
-          </p:cNvSpPr>
-          <p:nvPr>
-            <p:ph idx="1"/>
-          </p:nvPr>
-        </p:nvSpPr>
-        <p:spPr/>
-        <p:txBody>
-          <a:bodyPr>
-            <a:normAutofit/>
-          </a:bodyPr>
-          <a:lstStyle/>
-          <a:p>
-            <a:pPr marL="0" indent="0" algn="ctr">
-              <a:buNone/>
-            </a:pPr>
-            <a:r>
-              <a:rPr lang="zh-TW" altLang="en-US" sz="5400" b="1" dirty="0">
-                <a:solidFill>
-                  <a:srgbClr val="660033"/>
-                </a:solidFill>
-                <a:latin typeface="Microsoft JhengHei" panose="020B0604030504040204" pitchFamily="34" charset="-120"/>
-                <a:ea typeface="Microsoft JhengHei" panose="020B0604030504040204" pitchFamily="34" charset="-120"/>
-              </a:rPr>
-              <a:t>福音應該傳揚各國各地方</a:t>
-            </a:r>
-          </a:p>
-          <a:p>
-            <a:pPr marL="0" indent="0" algn="ctr">
-              <a:buNone/>
-            </a:pPr>
-            <a:r>
-              <a:rPr lang="zh-TW" altLang="en-US" sz="5400" b="1" dirty="0">
-                <a:solidFill>
-                  <a:srgbClr val="660033"/>
-                </a:solidFill>
-                <a:latin typeface="Microsoft JhengHei" panose="020B0604030504040204" pitchFamily="34" charset="-120"/>
-                <a:ea typeface="Microsoft JhengHei" panose="020B0604030504040204" pitchFamily="34" charset="-120"/>
-              </a:rPr>
-              <a:t>使人都曉真神仁愛無邊</a:t>
-            </a:r>
-          </a:p>
-          <a:p>
-            <a:pPr marL="0" indent="0" algn="ctr">
-              <a:buNone/>
-            </a:pPr>
-            <a:r>
-              <a:rPr lang="zh-TW" altLang="en-US" sz="5400" b="1" dirty="0">
-                <a:solidFill>
-                  <a:srgbClr val="660033"/>
-                </a:solidFill>
-                <a:latin typeface="Microsoft JhengHei" panose="020B0604030504040204" pitchFamily="34" charset="-120"/>
-                <a:ea typeface="Microsoft JhengHei" panose="020B0604030504040204" pitchFamily="34" charset="-120"/>
-              </a:rPr>
-              <a:t>救主降</a:t>
-            </a:r>
-            <a:r>
-              <a:rPr lang="zh-CN" altLang="en-US" sz="5400" b="1" dirty="0">
-                <a:solidFill>
-                  <a:srgbClr val="660033"/>
-                </a:solidFill>
-                <a:latin typeface="Microsoft JhengHei" panose="020B0604030504040204" pitchFamily="34" charset="-120"/>
-                <a:ea typeface="Microsoft JhengHei" panose="020B0604030504040204" pitchFamily="34" charset="-120"/>
-              </a:rPr>
-              <a:t>世</a:t>
-            </a:r>
-            <a:r>
-              <a:rPr lang="zh-TW" altLang="en-US" sz="5400" b="1" dirty="0">
-                <a:solidFill>
-                  <a:srgbClr val="660033"/>
-                </a:solidFill>
-                <a:latin typeface="Microsoft JhengHei" panose="020B0604030504040204" pitchFamily="34" charset="-120"/>
-                <a:ea typeface="Microsoft JhengHei" panose="020B0604030504040204" pitchFamily="34" charset="-120"/>
-              </a:rPr>
-              <a:t>釘於十架流寶血</a:t>
-            </a:r>
-          </a:p>
-          <a:p>
-            <a:pPr marL="0" indent="0" algn="ctr">
-              <a:buNone/>
-            </a:pPr>
-            <a:r>
-              <a:rPr lang="zh-TW" altLang="en-US" sz="5400" b="1" dirty="0">
-                <a:solidFill>
-                  <a:srgbClr val="660033"/>
-                </a:solidFill>
-                <a:latin typeface="Microsoft JhengHei" panose="020B0604030504040204" pitchFamily="34" charset="-120"/>
-                <a:ea typeface="Microsoft JhengHei" panose="020B0604030504040204" pitchFamily="34" charset="-120"/>
-              </a:rPr>
-              <a:t>受死在世叫人永生在天</a:t>
-            </a:r>
-          </a:p>
-        </p:txBody>
-      </p:sp>
-      <p:sp>
-        <p:nvSpPr>
-          <p:cNvPr id="6" name="Text Box 1"/>
-          <p:cNvSpPr txBox="1"/>
-          <p:nvPr/>
-        </p:nvSpPr>
-        <p:spPr>
-          <a:xfrm>
-            <a:off x="592892" y="1700808"/>
-            <a:ext cx="1193960" cy="923330"/>
-          </a:xfrm>
-          <a:prstGeom prst="rect">
-            <a:avLst/>
-          </a:prstGeom>
-          <a:noFill/>
-          <a:ln w="9525">
-            <a:noFill/>
-            <a:miter lim="800000"/>
-          </a:ln>
-        </p:spPr>
-        <p:txBody>
-          <a:bodyPr wrap="square">
-            <a:spAutoFit/>
-          </a:bodyPr>
-          <a:lstStyle/>
-          <a:p>
-            <a:pPr algn="ctr"/>
-            <a:r>
-              <a:rPr lang="en-US" sz="5400" b="1" dirty="0">
-                <a:solidFill>
-                  <a:srgbClr val="660033"/>
-                </a:solidFill>
-              </a:rPr>
-              <a:t>4</a:t>
-            </a:r>
-            <a:r>
-              <a:rPr lang="en-US" sz="5400" b="1" dirty="0" smtClean="0">
-                <a:solidFill>
-                  <a:srgbClr val="660033"/>
-                </a:solidFill>
-              </a:rPr>
-              <a:t>.</a:t>
-            </a:r>
-            <a:endParaRPr lang="en-US" sz="5400" b="1" dirty="0">
+              <a:t>傳揚主耶穌  已經救贖罪人</a:t>
+            </a:r>
+            <a:endParaRPr lang="zh-TW" altLang="en-US" sz="6400" b="1" dirty="0">
               <a:solidFill>
                 <a:srgbClr val="660033"/>
               </a:solidFill>
+              <a:latin typeface="Microsoft JhengHei" panose="020B0604030504040204" pitchFamily="34" charset="-120"/>
+              <a:ea typeface="Microsoft JhengHei" panose="020B0604030504040204" pitchFamily="34" charset="-120"/>
             </a:endParaRPr>
           </a:p>
         </p:txBody>
@@ -5466,13 +5814,20 @@
     </p:spTree>
     <p:extLst>
       <p:ext uri="{BB962C8B-B14F-4D97-AF65-F5344CB8AC3E}">
-        <p14:creationId xmlns:p14="http://schemas.microsoft.com/office/powerpoint/2010/main" val="1020743929"/>
+        <p14:creationId xmlns:p14="http://schemas.microsoft.com/office/powerpoint/2010/main" val="241825288"/>
       </p:ext>
     </p:extLst>
   </p:cSld>
   <p:clrMapOvr>
     <a:masterClrMapping/>
   </p:clrMapOvr>
+  <p:timing>
+    <p:tnLst>
+      <p:par>
+        <p:cTn id="1" dur="indefinite" restart="never" nodeType="tmRoot"/>
+      </p:par>
+    </p:tnLst>
+  </p:timing>
 </p:sld>
 </file>
 
@@ -5495,127 +5850,119 @@
       </p:grpSpPr>
       <p:sp>
         <p:nvSpPr>
-          <p:cNvPr id="4" name="Title 3"/>
-          <p:cNvSpPr>
-            <a:spLocks noGrp="1"/>
-          </p:cNvSpPr>
-          <p:nvPr>
-            <p:ph type="title"/>
-          </p:nvPr>
-        </p:nvSpPr>
-        <p:spPr/>
-        <p:txBody>
-          <a:bodyPr>
+          <p:cNvPr id="5" name="內容版面配置區 4"/>
+          <p:cNvSpPr>
+            <a:spLocks noGrp="1"/>
+          </p:cNvSpPr>
+          <p:nvPr>
+            <p:ph idx="1"/>
+          </p:nvPr>
+        </p:nvSpPr>
+        <p:spPr>
+          <a:xfrm>
+            <a:off x="0" y="2084851"/>
+            <a:ext cx="12192000" cy="2404863"/>
+          </a:xfrm>
+        </p:spPr>
+        <p:txBody>
+          <a:bodyPr anchor="ctr">
             <a:normAutofit/>
           </a:bodyPr>
           <a:lstStyle/>
           <a:p>
-            <a:r>
-              <a:rPr lang="en-US" altLang="zh-TW" sz="4800" b="1" dirty="0">
+            <a:pPr marL="0" indent="0" algn="ctr">
+              <a:buNone/>
+            </a:pPr>
+            <a:r>
+              <a:rPr lang="zh-TW" altLang="en-US" sz="6400" b="1" dirty="0">
                 <a:solidFill>
                   <a:srgbClr val="660033"/>
                 </a:solidFill>
                 <a:latin typeface="Microsoft JhengHei" panose="020B0604030504040204" pitchFamily="34" charset="-120"/>
                 <a:ea typeface="Microsoft JhengHei" panose="020B0604030504040204" pitchFamily="34" charset="-120"/>
               </a:rPr>
-              <a:t>【</a:t>
-            </a:r>
-            <a:r>
-              <a:rPr lang="zh-TW" altLang="en-US" sz="4800" b="1" dirty="0">
+              <a:t>主能救人脫離罪惡眾煩惱</a:t>
+            </a:r>
+          </a:p>
+          <a:p>
+            <a:pPr marL="0" indent="0" algn="ctr">
+              <a:buNone/>
+            </a:pPr>
+            <a:r>
+              <a:rPr lang="zh-TW" altLang="en-US" sz="6400" b="1" dirty="0">
                 <a:solidFill>
                   <a:srgbClr val="660033"/>
                 </a:solidFill>
                 <a:latin typeface="Microsoft JhengHei" panose="020B0604030504040204" pitchFamily="34" charset="-120"/>
                 <a:ea typeface="Microsoft JhengHei" panose="020B0604030504040204" pitchFamily="34" charset="-120"/>
               </a:rPr>
-              <a:t>教會趕緊傳道</a:t>
-            </a:r>
-            <a:r>
-              <a:rPr lang="en-US" altLang="zh-TW" sz="4800" b="1" dirty="0">
+              <a:t>因他捨命成就救靈工夫</a:t>
+            </a:r>
+            <a:endParaRPr lang="zh-TW" altLang="en-US" sz="6400" b="1" dirty="0">
+              <a:solidFill>
+                <a:srgbClr val="660033"/>
+              </a:solidFill>
+              <a:latin typeface="Microsoft JhengHei" panose="020B0604030504040204" pitchFamily="34" charset="-120"/>
+              <a:ea typeface="Microsoft JhengHei" panose="020B0604030504040204" pitchFamily="34" charset="-120"/>
+            </a:endParaRPr>
+          </a:p>
+        </p:txBody>
+      </p:sp>
+      <p:sp>
+        <p:nvSpPr>
+          <p:cNvPr id="3" name="TextBox 2"/>
+          <p:cNvSpPr txBox="1"/>
+          <p:nvPr/>
+        </p:nvSpPr>
+        <p:spPr>
+          <a:xfrm>
+            <a:off x="335360" y="2212307"/>
+            <a:ext cx="1248139" cy="1077218"/>
+          </a:xfrm>
+          <a:prstGeom prst="rect">
+            <a:avLst/>
+          </a:prstGeom>
+          <a:noFill/>
+        </p:spPr>
+        <p:txBody>
+          <a:bodyPr wrap="square" rtlCol="0">
+            <a:spAutoFit/>
+          </a:bodyPr>
+          <a:lstStyle/>
+          <a:p>
+            <a:r>
+              <a:rPr lang="en-US" sz="6400" b="1" dirty="0">
                 <a:solidFill>
                   <a:srgbClr val="660033"/>
                 </a:solidFill>
-                <a:latin typeface="Microsoft JhengHei" panose="020B0604030504040204" pitchFamily="34" charset="-120"/>
-                <a:ea typeface="Microsoft JhengHei" panose="020B0604030504040204" pitchFamily="34" charset="-120"/>
               </a:rPr>
-              <a:t>】</a:t>
-            </a:r>
-          </a:p>
-        </p:txBody>
-      </p:sp>
-      <p:sp>
-        <p:nvSpPr>
-          <p:cNvPr id="5" name="Content Placeholder 4"/>
-          <p:cNvSpPr>
-            <a:spLocks noGrp="1"/>
-          </p:cNvSpPr>
-          <p:nvPr>
-            <p:ph idx="1"/>
-          </p:nvPr>
-        </p:nvSpPr>
-        <p:spPr/>
-        <p:txBody>
-          <a:bodyPr>
-            <a:normAutofit/>
-          </a:bodyPr>
-          <a:lstStyle/>
-          <a:p>
-            <a:pPr marL="0" indent="0" algn="ctr">
-              <a:buNone/>
-            </a:pPr>
-            <a:r>
-              <a:rPr lang="zh-TW" altLang="en-US" sz="5400" b="1" dirty="0">
-                <a:solidFill>
-                  <a:srgbClr val="660033"/>
-                </a:solidFill>
-                <a:latin typeface="Microsoft JhengHei" panose="020B0604030504040204" pitchFamily="34" charset="-120"/>
-                <a:ea typeface="Microsoft JhengHei" panose="020B0604030504040204" pitchFamily="34" charset="-120"/>
-              </a:rPr>
-              <a:t>傳揚好信息和平福音</a:t>
-            </a:r>
-          </a:p>
-          <a:p>
-            <a:pPr marL="0" indent="0" algn="ctr">
-              <a:buNone/>
-            </a:pPr>
-            <a:r>
-              <a:rPr lang="zh-TW" altLang="en-US" sz="5400" b="1" dirty="0">
-                <a:solidFill>
-                  <a:srgbClr val="660033"/>
-                </a:solidFill>
-                <a:latin typeface="Microsoft JhengHei" panose="020B0604030504040204" pitchFamily="34" charset="-120"/>
-                <a:ea typeface="Microsoft JhengHei" panose="020B0604030504040204" pitchFamily="34" charset="-120"/>
-              </a:rPr>
-              <a:t>傳揚主耶穌</a:t>
-            </a:r>
-          </a:p>
-          <a:p>
-            <a:pPr marL="0" indent="0" algn="ctr">
-              <a:buNone/>
-            </a:pPr>
-            <a:r>
-              <a:rPr lang="zh-TW" altLang="en-US" sz="5400" b="1" dirty="0">
-                <a:solidFill>
-                  <a:srgbClr val="660033"/>
-                </a:solidFill>
-                <a:latin typeface="Microsoft JhengHei" panose="020B0604030504040204" pitchFamily="34" charset="-120"/>
-                <a:ea typeface="Microsoft JhengHei" panose="020B0604030504040204" pitchFamily="34" charset="-120"/>
-              </a:rPr>
-              <a:t>已經救贖罪人</a:t>
-            </a:r>
+              <a:t>3.</a:t>
+            </a:r>
+            <a:endParaRPr lang="vi-VN" sz="6400" b="1" dirty="0">
+              <a:solidFill>
+                <a:srgbClr val="660033"/>
+              </a:solidFill>
+            </a:endParaRPr>
           </a:p>
         </p:txBody>
       </p:sp>
     </p:spTree>
     <p:extLst>
       <p:ext uri="{BB962C8B-B14F-4D97-AF65-F5344CB8AC3E}">
-        <p14:creationId xmlns:p14="http://schemas.microsoft.com/office/powerpoint/2010/main" val="481396611"/>
+        <p14:creationId xmlns:p14="http://schemas.microsoft.com/office/powerpoint/2010/main" val="2357887042"/>
       </p:ext>
     </p:extLst>
   </p:cSld>
   <p:clrMapOvr>
     <a:masterClrMapping/>
   </p:clrMapOvr>
+  <p:timing>
+    <p:tnLst>
+      <p:par>
+        <p:cTn id="1" dur="indefinite" restart="never" nodeType="tmRoot"/>
+      </p:par>
+    </p:tnLst>
+  </p:timing>
 </p:sld>
 </file>
 
@@ -5638,176 +5985,95 @@
       </p:grpSpPr>
       <p:sp>
         <p:nvSpPr>
-          <p:cNvPr id="4" name="Title 3"/>
-          <p:cNvSpPr>
-            <a:spLocks noGrp="1"/>
-          </p:cNvSpPr>
-          <p:nvPr>
-            <p:ph type="title"/>
-          </p:nvPr>
-        </p:nvSpPr>
-        <p:spPr/>
-        <p:txBody>
-          <a:bodyPr>
+          <p:cNvPr id="5" name="內容版面配置區 4"/>
+          <p:cNvSpPr>
+            <a:spLocks noGrp="1"/>
+          </p:cNvSpPr>
+          <p:nvPr>
+            <p:ph idx="1"/>
+          </p:nvPr>
+        </p:nvSpPr>
+        <p:spPr>
+          <a:xfrm>
+            <a:off x="0" y="2084851"/>
+            <a:ext cx="12192000" cy="2404863"/>
+          </a:xfrm>
+        </p:spPr>
+        <p:txBody>
+          <a:bodyPr anchor="ctr">
             <a:normAutofit/>
           </a:bodyPr>
           <a:lstStyle/>
           <a:p>
-            <a:r>
-              <a:rPr lang="en-US" altLang="zh-TW" sz="4800" b="1" dirty="0">
+            <a:pPr marL="0" indent="0" algn="ctr">
+              <a:buNone/>
+            </a:pPr>
+            <a:r>
+              <a:rPr lang="zh-TW" altLang="en-US" sz="6400" b="1" dirty="0">
                 <a:solidFill>
                   <a:srgbClr val="660033"/>
                 </a:solidFill>
                 <a:latin typeface="Microsoft JhengHei" panose="020B0604030504040204" pitchFamily="34" charset="-120"/>
                 <a:ea typeface="Microsoft JhengHei" panose="020B0604030504040204" pitchFamily="34" charset="-120"/>
               </a:rPr>
-              <a:t>【</a:t>
-            </a:r>
-            <a:r>
-              <a:rPr lang="zh-TW" altLang="en-US" sz="4800" b="1" dirty="0">
+              <a:t>現時教會當大謹慎大儆醒</a:t>
+            </a:r>
+          </a:p>
+          <a:p>
+            <a:pPr marL="0" indent="0" algn="ctr">
+              <a:buNone/>
+            </a:pPr>
+            <a:r>
+              <a:rPr lang="zh-TW" altLang="en-US" sz="6400" b="1" dirty="0">
                 <a:solidFill>
                   <a:srgbClr val="660033"/>
                 </a:solidFill>
                 <a:latin typeface="Microsoft JhengHei" panose="020B0604030504040204" pitchFamily="34" charset="-120"/>
                 <a:ea typeface="Microsoft JhengHei" panose="020B0604030504040204" pitchFamily="34" charset="-120"/>
               </a:rPr>
-              <a:t>教會趕緊傳道</a:t>
-            </a:r>
-            <a:r>
-              <a:rPr lang="en-US" altLang="zh-TW" sz="4800" b="1" dirty="0">
-                <a:solidFill>
-                  <a:srgbClr val="660033"/>
-                </a:solidFill>
-                <a:latin typeface="Microsoft JhengHei" panose="020B0604030504040204" pitchFamily="34" charset="-120"/>
-                <a:ea typeface="Microsoft JhengHei" panose="020B0604030504040204" pitchFamily="34" charset="-120"/>
-              </a:rPr>
-              <a:t>】</a:t>
-            </a:r>
-          </a:p>
-        </p:txBody>
-      </p:sp>
-      <p:sp>
-        <p:nvSpPr>
-          <p:cNvPr id="5" name="Content Placeholder 4"/>
-          <p:cNvSpPr>
-            <a:spLocks noGrp="1"/>
-          </p:cNvSpPr>
-          <p:nvPr>
-            <p:ph idx="1"/>
-          </p:nvPr>
-        </p:nvSpPr>
-        <p:spPr/>
-        <p:txBody>
-          <a:bodyPr>
-            <a:normAutofit/>
-          </a:bodyPr>
-          <a:lstStyle/>
-          <a:p>
-            <a:pPr marL="0" indent="0" algn="ctr">
-              <a:buNone/>
-            </a:pPr>
-            <a:r>
-              <a:rPr lang="zh-TW" altLang="en-US" sz="5400" b="1" dirty="0">
-                <a:solidFill>
-                  <a:srgbClr val="660033"/>
-                </a:solidFill>
-                <a:latin typeface="Microsoft JhengHei" panose="020B0604030504040204" pitchFamily="34" charset="-120"/>
-                <a:ea typeface="Microsoft JhengHei" panose="020B0604030504040204" pitchFamily="34" charset="-120"/>
-              </a:rPr>
-              <a:t>所有錢財應該樂捐為福音</a:t>
-            </a:r>
-          </a:p>
-          <a:p>
-            <a:pPr marL="0" indent="0" algn="ctr">
-              <a:buNone/>
-            </a:pPr>
-            <a:r>
-              <a:rPr lang="zh-TW" altLang="en-US" sz="5400" b="1" dirty="0">
-                <a:solidFill>
-                  <a:srgbClr val="660033"/>
-                </a:solidFill>
-                <a:latin typeface="Microsoft JhengHei" panose="020B0604030504040204" pitchFamily="34" charset="-120"/>
-                <a:ea typeface="Microsoft JhengHei" panose="020B0604030504040204" pitchFamily="34" charset="-120"/>
-              </a:rPr>
-              <a:t>並你子女也獻主去宣傳</a:t>
-            </a:r>
-          </a:p>
-          <a:p>
-            <a:pPr marL="0" indent="0" algn="ctr">
-              <a:buNone/>
-            </a:pPr>
-            <a:r>
-              <a:rPr lang="zh-TW" altLang="en-US" sz="5400" b="1" dirty="0">
-                <a:solidFill>
-                  <a:srgbClr val="660033"/>
-                </a:solidFill>
-                <a:latin typeface="Microsoft JhengHei" panose="020B0604030504040204" pitchFamily="34" charset="-120"/>
-                <a:ea typeface="Microsoft JhengHei" panose="020B0604030504040204" pitchFamily="34" charset="-120"/>
-              </a:rPr>
-              <a:t>且在主前懇求真理大得勝</a:t>
-            </a:r>
-          </a:p>
-          <a:p>
-            <a:pPr marL="0" indent="0" algn="ctr">
-              <a:buNone/>
-            </a:pPr>
-            <a:r>
-              <a:rPr lang="zh-TW" altLang="en-US" sz="5400" b="1" dirty="0">
-                <a:solidFill>
-                  <a:srgbClr val="660033"/>
-                </a:solidFill>
-                <a:latin typeface="Microsoft JhengHei" panose="020B0604030504040204" pitchFamily="34" charset="-120"/>
-                <a:ea typeface="Microsoft JhengHei" panose="020B0604030504040204" pitchFamily="34" charset="-120"/>
-              </a:rPr>
-              <a:t>因你所費救主必還周全</a:t>
-            </a:r>
-          </a:p>
-        </p:txBody>
-      </p:sp>
-      <p:sp>
-        <p:nvSpPr>
-          <p:cNvPr id="6" name="Text Box 1"/>
+              <a:t>庶免攔阻一人信靠耶穌</a:t>
+            </a:r>
+            <a:endParaRPr lang="zh-TW" altLang="en-US" sz="6400" b="1" dirty="0">
+              <a:solidFill>
+                <a:srgbClr val="660033"/>
+              </a:solidFill>
+              <a:latin typeface="Microsoft JhengHei" panose="020B0604030504040204" pitchFamily="34" charset="-120"/>
+              <a:ea typeface="Microsoft JhengHei" panose="020B0604030504040204" pitchFamily="34" charset="-120"/>
+            </a:endParaRPr>
+          </a:p>
+        </p:txBody>
+      </p:sp>
+      <p:sp>
+        <p:nvSpPr>
+          <p:cNvPr id="3" name="TextBox 2"/>
           <p:cNvSpPr txBox="1"/>
           <p:nvPr/>
         </p:nvSpPr>
         <p:spPr>
           <a:xfrm>
-            <a:off x="592892" y="1700808"/>
-            <a:ext cx="1193960" cy="923330"/>
+            <a:off x="335360" y="2212307"/>
+            <a:ext cx="1248139" cy="1077218"/>
           </a:xfrm>
           <a:prstGeom prst="rect">
             <a:avLst/>
           </a:prstGeom>
           <a:noFill/>
-          <a:ln w="9525">
-            <a:noFill/>
-            <a:miter lim="800000"/>
-          </a:ln>
         </p:spPr>
         <p:txBody>
-          <a:bodyPr wrap="square">
+          <a:bodyPr wrap="square" rtlCol="0">
             <a:spAutoFit/>
           </a:bodyPr>
           <a:lstStyle/>
           <a:p>
-            <a:pPr algn="ctr"/>
-            <a:r>
-              <a:rPr lang="en-US" sz="5400" b="1" dirty="0">
+            <a:r>
+              <a:rPr lang="en-US" sz="6400" b="1" dirty="0">
                 <a:solidFill>
                   <a:srgbClr val="660033"/>
                 </a:solidFill>
               </a:rPr>
-              <a:t>5</a:t>
-            </a:r>
-            <a:r>
-              <a:rPr lang="en-US" sz="5400" b="1" dirty="0" smtClean="0">
-                <a:solidFill>
-                  <a:srgbClr val="660033"/>
-                </a:solidFill>
-              </a:rPr>
-              <a:t>.</a:t>
-            </a:r>
-            <a:endParaRPr lang="en-US" sz="5400" b="1" dirty="0">
+              <a:t>3.</a:t>
+            </a:r>
+            <a:endParaRPr lang="vi-VN" sz="6400" b="1" dirty="0">
               <a:solidFill>
                 <a:srgbClr val="660033"/>
               </a:solidFill>
@@ -5818,13 +6084,20 @@
     </p:spTree>
     <p:extLst>
       <p:ext uri="{BB962C8B-B14F-4D97-AF65-F5344CB8AC3E}">
-        <p14:creationId xmlns:p14="http://schemas.microsoft.com/office/powerpoint/2010/main" val="1856011929"/>
+        <p14:creationId xmlns:p14="http://schemas.microsoft.com/office/powerpoint/2010/main" val="1697000185"/>
       </p:ext>
     </p:extLst>
   </p:cSld>
   <p:clrMapOvr>
     <a:masterClrMapping/>
   </p:clrMapOvr>
+  <p:timing>
+    <p:tnLst>
+      <p:par>
+        <p:cTn id="1" dur="indefinite" restart="never" nodeType="tmRoot"/>
+      </p:par>
+    </p:tnLst>
+  </p:timing>
 </p:sld>
 </file>
 
